--- a/基础PPT/第0a章：Java教学线路图.pptx
+++ b/基础PPT/第0a章：Java教学线路图.pptx
@@ -6887,7 +6887,7 @@
         </p:nvSpPr>
         <p:spPr>
           <a:xfrm>
-            <a:off x="9686290" y="1369695"/>
+            <a:off x="1988185" y="2018665"/>
             <a:ext cx="956945" cy="364490"/>
           </a:xfrm>
           <a:prstGeom prst="rect">
@@ -7042,7 +7042,7 @@
         </p:nvSpPr>
         <p:spPr>
           <a:xfrm>
-            <a:off x="3279775" y="1991360"/>
+            <a:off x="4571365" y="2018665"/>
             <a:ext cx="956945" cy="364490"/>
           </a:xfrm>
           <a:prstGeom prst="rect">
@@ -7269,7 +7269,7 @@
         </p:nvSpPr>
         <p:spPr>
           <a:xfrm>
-            <a:off x="5846445" y="1369695"/>
+            <a:off x="7128510" y="1369695"/>
             <a:ext cx="956945" cy="364490"/>
           </a:xfrm>
           <a:prstGeom prst="rect">
@@ -7413,7 +7413,7 @@
         </p:nvSpPr>
         <p:spPr>
           <a:xfrm>
-            <a:off x="8422640" y="1369695"/>
+            <a:off x="9704705" y="1369695"/>
             <a:ext cx="956945" cy="364490"/>
           </a:xfrm>
           <a:prstGeom prst="rect">
@@ -7485,7 +7485,7 @@
         </p:nvSpPr>
         <p:spPr>
           <a:xfrm>
-            <a:off x="1988185" y="1991360"/>
+            <a:off x="3279775" y="2018665"/>
             <a:ext cx="956945" cy="364490"/>
           </a:xfrm>
           <a:prstGeom prst="rect">
@@ -7629,7 +7629,7 @@
         </p:nvSpPr>
         <p:spPr>
           <a:xfrm>
-            <a:off x="7135495" y="1369695"/>
+            <a:off x="8417560" y="1369695"/>
             <a:ext cx="956945" cy="364490"/>
           </a:xfrm>
           <a:prstGeom prst="rect">
@@ -8415,7 +8415,7 @@
         </p:nvSpPr>
         <p:spPr>
           <a:xfrm>
-            <a:off x="4569460" y="4712970"/>
+            <a:off x="3277870" y="4648835"/>
             <a:ext cx="956945" cy="364490"/>
           </a:xfrm>
           <a:prstGeom prst="rect">
@@ -9129,85 +9129,13 @@
       </p:sp>
       <p:sp>
         <p:nvSpPr>
-          <p:cNvPr id="73" name="矩形 72"/>
-          <p:cNvSpPr/>
-          <p:nvPr/>
-        </p:nvSpPr>
-        <p:spPr>
-          <a:xfrm>
-            <a:off x="1988185" y="4712970"/>
-            <a:ext cx="956945" cy="364490"/>
-          </a:xfrm>
-          <a:prstGeom prst="rect">
-            <a:avLst/>
-          </a:prstGeom>
-          <a:noFill/>
-          <a:ln w="28575">
-            <a:solidFill>
-              <a:srgbClr val="55D9FF"/>
-            </a:solidFill>
-          </a:ln>
-          <a:extLst>
-            <a:ext uri="{909E8E84-426E-40DD-AFC4-6F175D3DCCD1}">
-              <a14:hiddenFill xmlns:a14="http://schemas.microsoft.com/office/drawing/2010/main">
-                <a:solidFill>
-                  <a:schemeClr val="accent1"/>
-                </a:solidFill>
-              </a14:hiddenFill>
-            </a:ext>
-          </a:extLst>
-        </p:spPr>
-        <p:style>
-          <a:lnRef idx="2">
-            <a:schemeClr val="accent1">
-              <a:shade val="50000"/>
-            </a:schemeClr>
-          </a:lnRef>
-          <a:fillRef idx="1">
-            <a:schemeClr val="accent1"/>
-          </a:fillRef>
-          <a:effectRef idx="0">
-            <a:schemeClr val="accent1"/>
-          </a:effectRef>
-          <a:fontRef idx="minor">
-            <a:schemeClr val="lt1"/>
-          </a:fontRef>
-        </p:style>
-        <p:txBody>
-          <a:bodyPr rtlCol="0" anchor="ctr"/>
-          <a:p>
-            <a:pPr algn="ctr"/>
-            <a:r>
-              <a:rPr lang="en-US" altLang="zh-CN" sz="1400" b="1">
-                <a:solidFill>
-                  <a:srgbClr val="00B050"/>
-                </a:solidFill>
-                <a:latin typeface="宋体" panose="02010600030101010101" pitchFamily="2" charset="-122"/>
-                <a:ea typeface="宋体" panose="02010600030101010101" pitchFamily="2" charset="-122"/>
-                <a:cs typeface="宋体" panose="02010600030101010101" pitchFamily="2" charset="-122"/>
-              </a:rPr>
-              <a:t>tomcat</a:t>
-            </a:r>
-            <a:endParaRPr lang="en-US" altLang="zh-CN" sz="1400" b="1">
-              <a:solidFill>
-                <a:srgbClr val="00B050"/>
-              </a:solidFill>
-              <a:latin typeface="宋体" panose="02010600030101010101" pitchFamily="2" charset="-122"/>
-              <a:ea typeface="宋体" panose="02010600030101010101" pitchFamily="2" charset="-122"/>
-              <a:cs typeface="宋体" panose="02010600030101010101" pitchFamily="2" charset="-122"/>
-            </a:endParaRPr>
-          </a:p>
-        </p:txBody>
-      </p:sp>
-      <p:sp>
-        <p:nvSpPr>
           <p:cNvPr id="74" name="矩形 73"/>
           <p:cNvSpPr/>
           <p:nvPr/>
         </p:nvSpPr>
         <p:spPr>
           <a:xfrm>
-            <a:off x="3279775" y="4712970"/>
+            <a:off x="1988185" y="4648835"/>
             <a:ext cx="956945" cy="364490"/>
           </a:xfrm>
           <a:prstGeom prst="rect">
@@ -10030,7 +9958,7 @@
         </p:nvSpPr>
         <p:spPr>
           <a:xfrm>
-            <a:off x="4569460" y="1991360"/>
+            <a:off x="5861050" y="2018665"/>
             <a:ext cx="956945" cy="364490"/>
           </a:xfrm>
           <a:prstGeom prst="rect">
@@ -10082,6 +10010,78 @@
                 <a:cs typeface="宋体" panose="02010600030101010101" pitchFamily="2" charset="-122"/>
               </a:rPr>
               <a:t>设计模式</a:t>
+            </a:r>
+            <a:endParaRPr lang="zh-CN" altLang="en-US" sz="1400" b="1">
+              <a:solidFill>
+                <a:srgbClr val="00B050"/>
+              </a:solidFill>
+              <a:latin typeface="宋体" panose="02010600030101010101" pitchFamily="2" charset="-122"/>
+              <a:ea typeface="宋体" panose="02010600030101010101" pitchFamily="2" charset="-122"/>
+              <a:cs typeface="宋体" panose="02010600030101010101" pitchFamily="2" charset="-122"/>
+            </a:endParaRPr>
+          </a:p>
+        </p:txBody>
+      </p:sp>
+      <p:sp>
+        <p:nvSpPr>
+          <p:cNvPr id="12" name="矩形 11"/>
+          <p:cNvSpPr/>
+          <p:nvPr/>
+        </p:nvSpPr>
+        <p:spPr>
+          <a:xfrm>
+            <a:off x="5846445" y="1369695"/>
+            <a:ext cx="956945" cy="364490"/>
+          </a:xfrm>
+          <a:prstGeom prst="rect">
+            <a:avLst/>
+          </a:prstGeom>
+          <a:noFill/>
+          <a:ln w="28575">
+            <a:solidFill>
+              <a:srgbClr val="55D9FF"/>
+            </a:solidFill>
+          </a:ln>
+          <a:extLst>
+            <a:ext uri="{909E8E84-426E-40DD-AFC4-6F175D3DCCD1}">
+              <a14:hiddenFill xmlns:a14="http://schemas.microsoft.com/office/drawing/2010/main">
+                <a:solidFill>
+                  <a:schemeClr val="accent1"/>
+                </a:solidFill>
+              </a14:hiddenFill>
+            </a:ext>
+          </a:extLst>
+        </p:spPr>
+        <p:style>
+          <a:lnRef idx="2">
+            <a:schemeClr val="accent1">
+              <a:shade val="50000"/>
+            </a:schemeClr>
+          </a:lnRef>
+          <a:fillRef idx="1">
+            <a:schemeClr val="accent1"/>
+          </a:fillRef>
+          <a:effectRef idx="0">
+            <a:schemeClr val="accent1"/>
+          </a:effectRef>
+          <a:fontRef idx="minor">
+            <a:schemeClr val="lt1"/>
+          </a:fontRef>
+        </p:style>
+        <p:txBody>
+          <a:bodyPr rtlCol="0" anchor="ctr"/>
+          <a:p>
+            <a:pPr algn="ctr"/>
+            <a:r>
+              <a:rPr lang="zh-CN" altLang="en-US" sz="1400" b="1">
+                <a:solidFill>
+                  <a:srgbClr val="00B050"/>
+                </a:solidFill>
+                <a:latin typeface="宋体" panose="02010600030101010101" pitchFamily="2" charset="-122"/>
+                <a:ea typeface="宋体" panose="02010600030101010101" pitchFamily="2" charset="-122"/>
+                <a:cs typeface="宋体" panose="02010600030101010101" pitchFamily="2" charset="-122"/>
+              </a:rPr>
+              <a:t>定时任务</a:t>
             </a:r>
             <a:endParaRPr lang="zh-CN" altLang="en-US" sz="1400" b="1">
               <a:solidFill>

--- a/基础PPT/第0a章：Java教学线路图.pptx
+++ b/基础PPT/第0a章：Java教学线路图.pptx
@@ -6370,6 +6370,192 @@
           <a:prstGeom prst="rect">
             <a:avLst/>
           </a:prstGeom>
+          <a:solidFill>
+            <a:schemeClr val="bg2"/>
+          </a:solidFill>
+          <a:ln w="28575">
+            <a:solidFill>
+              <a:srgbClr val="55D9FF"/>
+            </a:solidFill>
+          </a:ln>
+        </p:spPr>
+        <p:style>
+          <a:lnRef idx="2">
+            <a:schemeClr val="accent1">
+              <a:shade val="50000"/>
+            </a:schemeClr>
+          </a:lnRef>
+          <a:fillRef idx="1">
+            <a:schemeClr val="accent1"/>
+          </a:fillRef>
+          <a:effectRef idx="0">
+            <a:schemeClr val="accent1"/>
+          </a:effectRef>
+          <a:fontRef idx="minor">
+            <a:schemeClr val="lt1"/>
+          </a:fontRef>
+        </p:style>
+        <p:txBody>
+          <a:bodyPr rtlCol="0" anchor="ctr"/>
+          <a:p>
+            <a:pPr algn="ctr"/>
+            <a:r>
+              <a:rPr lang="en-US" altLang="zh-CN" sz="1400" b="1">
+                <a:solidFill>
+                  <a:srgbClr val="00B050"/>
+                </a:solidFill>
+                <a:latin typeface="宋体" panose="02010600030101010101" pitchFamily="2" charset="-122"/>
+                <a:ea typeface="宋体" panose="02010600030101010101" pitchFamily="2" charset="-122"/>
+                <a:cs typeface="宋体" panose="02010600030101010101" pitchFamily="2" charset="-122"/>
+              </a:rPr>
+              <a:t>Java</a:t>
+            </a:r>
+            <a:r>
+              <a:rPr lang="zh-CN" altLang="en-US" sz="1400" b="1">
+                <a:solidFill>
+                  <a:srgbClr val="00B050"/>
+                </a:solidFill>
+                <a:latin typeface="宋体" panose="02010600030101010101" pitchFamily="2" charset="-122"/>
+                <a:ea typeface="宋体" panose="02010600030101010101" pitchFamily="2" charset="-122"/>
+                <a:cs typeface="宋体" panose="02010600030101010101" pitchFamily="2" charset="-122"/>
+              </a:rPr>
+              <a:t>基础</a:t>
+            </a:r>
+            <a:endParaRPr lang="zh-CN" altLang="en-US" sz="1400" b="1">
+              <a:solidFill>
+                <a:srgbClr val="00B050"/>
+              </a:solidFill>
+              <a:latin typeface="宋体" panose="02010600030101010101" pitchFamily="2" charset="-122"/>
+              <a:ea typeface="宋体" panose="02010600030101010101" pitchFamily="2" charset="-122"/>
+              <a:cs typeface="宋体" panose="02010600030101010101" pitchFamily="2" charset="-122"/>
+            </a:endParaRPr>
+          </a:p>
+        </p:txBody>
+      </p:sp>
+      <p:sp>
+        <p:nvSpPr>
+          <p:cNvPr id="4" name="文本框 3"/>
+          <p:cNvSpPr txBox="1"/>
+          <p:nvPr/>
+        </p:nvSpPr>
+        <p:spPr>
+          <a:xfrm>
+            <a:off x="314325" y="1291590"/>
+            <a:ext cx="1229995" cy="368300"/>
+          </a:xfrm>
+          <a:prstGeom prst="rect">
+            <a:avLst/>
+          </a:prstGeom>
+          <a:noFill/>
+        </p:spPr>
+        <p:txBody>
+          <a:bodyPr wrap="square" rtlCol="0">
+            <a:spAutoFit/>
+          </a:bodyPr>
+          <a:p>
+            <a:r>
+              <a:rPr lang="en-US" altLang="zh-CN" b="1">
+                <a:solidFill>
+                  <a:srgbClr val="1D41D5"/>
+                </a:solidFill>
+              </a:rPr>
+              <a:t>Java</a:t>
+            </a:r>
+            <a:r>
+              <a:rPr lang="zh-CN" altLang="en-US" b="1">
+                <a:solidFill>
+                  <a:srgbClr val="1D41D5"/>
+                </a:solidFill>
+              </a:rPr>
+              <a:t>基础</a:t>
+            </a:r>
+            <a:endParaRPr lang="zh-CN" altLang="en-US" b="1">
+              <a:solidFill>
+                <a:srgbClr val="1D41D5"/>
+              </a:solidFill>
+            </a:endParaRPr>
+          </a:p>
+        </p:txBody>
+      </p:sp>
+      <p:sp>
+        <p:nvSpPr>
+          <p:cNvPr id="8" name="矩形 7"/>
+          <p:cNvSpPr/>
+          <p:nvPr/>
+        </p:nvSpPr>
+        <p:spPr>
+          <a:xfrm>
+            <a:off x="3279775" y="736600"/>
+            <a:ext cx="956945" cy="364490"/>
+          </a:xfrm>
+          <a:prstGeom prst="rect">
+            <a:avLst/>
+          </a:prstGeom>
+          <a:solidFill>
+            <a:schemeClr val="bg2"/>
+          </a:solidFill>
+          <a:ln w="28575">
+            <a:solidFill>
+              <a:srgbClr val="55D9FF"/>
+            </a:solidFill>
+          </a:ln>
+        </p:spPr>
+        <p:style>
+          <a:lnRef idx="2">
+            <a:schemeClr val="accent1">
+              <a:shade val="50000"/>
+            </a:schemeClr>
+          </a:lnRef>
+          <a:fillRef idx="1">
+            <a:schemeClr val="accent1"/>
+          </a:fillRef>
+          <a:effectRef idx="0">
+            <a:schemeClr val="accent1"/>
+          </a:effectRef>
+          <a:fontRef idx="minor">
+            <a:schemeClr val="lt1"/>
+          </a:fontRef>
+        </p:style>
+        <p:txBody>
+          <a:bodyPr rtlCol="0" anchor="ctr"/>
+          <a:p>
+            <a:pPr algn="ctr"/>
+            <a:r>
+              <a:rPr lang="zh-CN" altLang="en-US" sz="1400" b="1">
+                <a:solidFill>
+                  <a:srgbClr val="00B050"/>
+                </a:solidFill>
+                <a:latin typeface="宋体" panose="02010600030101010101" pitchFamily="2" charset="-122"/>
+                <a:ea typeface="宋体" panose="02010600030101010101" pitchFamily="2" charset="-122"/>
+                <a:cs typeface="宋体" panose="02010600030101010101" pitchFamily="2" charset="-122"/>
+              </a:rPr>
+              <a:t>面向对象</a:t>
+            </a:r>
+            <a:endParaRPr lang="zh-CN" altLang="en-US" sz="1400" b="1">
+              <a:solidFill>
+                <a:srgbClr val="00B050"/>
+              </a:solidFill>
+              <a:latin typeface="宋体" panose="02010600030101010101" pitchFamily="2" charset="-122"/>
+              <a:ea typeface="宋体" panose="02010600030101010101" pitchFamily="2" charset="-122"/>
+              <a:cs typeface="宋体" panose="02010600030101010101" pitchFamily="2" charset="-122"/>
+            </a:endParaRPr>
+          </a:p>
+        </p:txBody>
+      </p:sp>
+      <p:sp>
+        <p:nvSpPr>
+          <p:cNvPr id="10" name="矩形 9"/>
+          <p:cNvSpPr/>
+          <p:nvPr/>
+        </p:nvSpPr>
+        <p:spPr>
+          <a:xfrm>
+            <a:off x="4569460" y="736600"/>
+            <a:ext cx="956945" cy="364490"/>
+          </a:xfrm>
+          <a:prstGeom prst="rect">
+            <a:avLst/>
+          </a:prstGeom>
           <a:noFill/>
           <a:ln w="28575">
             <a:solidFill>
@@ -6407,7 +6593,7 @@
           <a:p>
             <a:pPr algn="ctr"/>
             <a:r>
-              <a:rPr lang="en-US" altLang="zh-CN" sz="1400" b="1">
+              <a:rPr lang="zh-CN" altLang="en-US" sz="1400" b="1">
                 <a:solidFill>
                   <a:srgbClr val="00B050"/>
                 </a:solidFill>
@@ -6415,18 +6601,7 @@
                 <a:ea typeface="宋体" panose="02010600030101010101" pitchFamily="2" charset="-122"/>
                 <a:cs typeface="宋体" panose="02010600030101010101" pitchFamily="2" charset="-122"/>
               </a:rPr>
-              <a:t>Java</a:t>
-            </a:r>
-            <a:r>
-              <a:rPr lang="zh-CN" altLang="en-US" sz="1400" b="1">
-                <a:solidFill>
-                  <a:srgbClr val="00B050"/>
-                </a:solidFill>
-                <a:latin typeface="宋体" panose="02010600030101010101" pitchFamily="2" charset="-122"/>
-                <a:ea typeface="宋体" panose="02010600030101010101" pitchFamily="2" charset="-122"/>
-                <a:cs typeface="宋体" panose="02010600030101010101" pitchFamily="2" charset="-122"/>
-              </a:rPr>
-              <a:t>基础</a:t>
+              <a:t>数组</a:t>
             </a:r>
             <a:endParaRPr lang="zh-CN" altLang="en-US" sz="1400" b="1">
               <a:solidFill>
@@ -6439,167 +6614,15 @@
           </a:p>
         </p:txBody>
       </p:sp>
-      <p:cxnSp>
-        <p:nvCxnSpPr>
-          <p:cNvPr id="3" name="直接连接符 2"/>
-          <p:cNvCxnSpPr/>
-          <p:nvPr/>
-        </p:nvCxnSpPr>
-        <p:spPr>
-          <a:xfrm flipH="1">
-            <a:off x="1543685" y="712470"/>
-            <a:ext cx="6985" cy="5962650"/>
-          </a:xfrm>
-          <a:prstGeom prst="line">
-            <a:avLst/>
-          </a:prstGeom>
-          <a:ln w="19050">
-            <a:prstDash val="dash"/>
-          </a:ln>
-        </p:spPr>
-        <p:style>
-          <a:lnRef idx="1">
-            <a:schemeClr val="accent1"/>
-          </a:lnRef>
-          <a:fillRef idx="0">
-            <a:schemeClr val="accent1"/>
-          </a:fillRef>
-          <a:effectRef idx="0">
-            <a:schemeClr val="accent1"/>
-          </a:effectRef>
-          <a:fontRef idx="minor">
-            <a:schemeClr val="tx1"/>
-          </a:fontRef>
-        </p:style>
-      </p:cxnSp>
-      <p:sp>
-        <p:nvSpPr>
-          <p:cNvPr id="4" name="文本框 3"/>
-          <p:cNvSpPr txBox="1"/>
+      <p:sp>
+        <p:nvSpPr>
+          <p:cNvPr id="11" name="矩形 10"/>
+          <p:cNvSpPr/>
           <p:nvPr/>
         </p:nvSpPr>
         <p:spPr>
           <a:xfrm>
-            <a:off x="503555" y="1122045"/>
-            <a:ext cx="746760" cy="368300"/>
-          </a:xfrm>
-          <a:prstGeom prst="rect">
-            <a:avLst/>
-          </a:prstGeom>
-          <a:noFill/>
-        </p:spPr>
-        <p:txBody>
-          <a:bodyPr wrap="square" rtlCol="0">
-            <a:spAutoFit/>
-          </a:bodyPr>
-          <a:p>
-            <a:r>
-              <a:rPr lang="en-US" altLang="zh-CN" b="1">
-                <a:solidFill>
-                  <a:srgbClr val="FF0000"/>
-                </a:solidFill>
-              </a:rPr>
-              <a:t>J2SE</a:t>
-            </a:r>
-            <a:endParaRPr lang="zh-CN" altLang="en-US" b="1">
-              <a:solidFill>
-                <a:srgbClr val="FF0000"/>
-              </a:solidFill>
-            </a:endParaRPr>
-          </a:p>
-        </p:txBody>
-      </p:sp>
-      <p:sp>
-        <p:nvSpPr>
-          <p:cNvPr id="5" name="文本框 4"/>
-          <p:cNvSpPr txBox="1"/>
-          <p:nvPr/>
-        </p:nvSpPr>
-        <p:spPr>
-          <a:xfrm>
-            <a:off x="503555" y="3043555"/>
-            <a:ext cx="746760" cy="368300"/>
-          </a:xfrm>
-          <a:prstGeom prst="rect">
-            <a:avLst/>
-          </a:prstGeom>
-          <a:noFill/>
-        </p:spPr>
-        <p:txBody>
-          <a:bodyPr wrap="square" rtlCol="0">
-            <a:spAutoFit/>
-          </a:bodyPr>
-          <a:p>
-            <a:r>
-              <a:rPr lang="en-US" altLang="zh-CN" b="1">
-                <a:solidFill>
-                  <a:srgbClr val="FF0000"/>
-                </a:solidFill>
-              </a:rPr>
-              <a:t>J2E</a:t>
-            </a:r>
-            <a:r>
-              <a:rPr lang="en-US" altLang="zh-CN" b="1">
-                <a:solidFill>
-                  <a:srgbClr val="FF0000"/>
-                </a:solidFill>
-              </a:rPr>
-              <a:t>E</a:t>
-            </a:r>
-            <a:endParaRPr lang="en-US" altLang="zh-CN" b="1">
-              <a:solidFill>
-                <a:srgbClr val="FF0000"/>
-              </a:solidFill>
-            </a:endParaRPr>
-          </a:p>
-        </p:txBody>
-      </p:sp>
-      <p:sp>
-        <p:nvSpPr>
-          <p:cNvPr id="6" name="文本框 5"/>
-          <p:cNvSpPr txBox="1"/>
-          <p:nvPr/>
-        </p:nvSpPr>
-        <p:spPr>
-          <a:xfrm>
-            <a:off x="503555" y="4937760"/>
-            <a:ext cx="746760" cy="368300"/>
-          </a:xfrm>
-          <a:prstGeom prst="rect">
-            <a:avLst/>
-          </a:prstGeom>
-          <a:noFill/>
-        </p:spPr>
-        <p:txBody>
-          <a:bodyPr wrap="square" rtlCol="0">
-            <a:spAutoFit/>
-          </a:bodyPr>
-          <a:p>
-            <a:r>
-              <a:rPr lang="zh-CN" altLang="en-US" b="1">
-                <a:solidFill>
-                  <a:srgbClr val="FF0000"/>
-                </a:solidFill>
-              </a:rPr>
-              <a:t>进阶</a:t>
-            </a:r>
-            <a:endParaRPr lang="zh-CN" altLang="en-US" b="1">
-              <a:solidFill>
-                <a:srgbClr val="FF0000"/>
-              </a:solidFill>
-            </a:endParaRPr>
-          </a:p>
-        </p:txBody>
-      </p:sp>
-      <p:sp>
-        <p:nvSpPr>
-          <p:cNvPr id="8" name="矩形 7"/>
-          <p:cNvSpPr/>
-          <p:nvPr/>
-        </p:nvSpPr>
-        <p:spPr>
-          <a:xfrm>
-            <a:off x="3279775" y="736600"/>
+            <a:off x="5846445" y="736600"/>
             <a:ext cx="956945" cy="364490"/>
           </a:xfrm>
           <a:prstGeom prst="rect">
@@ -6650,7 +6673,7 @@
                 <a:ea typeface="宋体" panose="02010600030101010101" pitchFamily="2" charset="-122"/>
                 <a:cs typeface="宋体" panose="02010600030101010101" pitchFamily="2" charset="-122"/>
               </a:rPr>
-              <a:t>面向对象</a:t>
+              <a:t>字符串</a:t>
             </a:r>
             <a:endParaRPr lang="zh-CN" altLang="en-US" sz="1400" b="1">
               <a:solidFill>
@@ -6665,13 +6688,13 @@
       </p:sp>
       <p:sp>
         <p:nvSpPr>
-          <p:cNvPr id="10" name="矩形 9"/>
+          <p:cNvPr id="18" name="矩形 17"/>
           <p:cNvSpPr/>
           <p:nvPr/>
         </p:nvSpPr>
         <p:spPr>
           <a:xfrm>
-            <a:off x="4569460" y="736600"/>
+            <a:off x="7135495" y="736600"/>
             <a:ext cx="956945" cy="364490"/>
           </a:xfrm>
           <a:prstGeom prst="rect">
@@ -6722,7 +6745,7 @@
                 <a:ea typeface="宋体" panose="02010600030101010101" pitchFamily="2" charset="-122"/>
                 <a:cs typeface="宋体" panose="02010600030101010101" pitchFamily="2" charset="-122"/>
               </a:rPr>
-              <a:t>数组</a:t>
+              <a:t>日期处理</a:t>
             </a:r>
             <a:endParaRPr lang="zh-CN" altLang="en-US" sz="1400" b="1">
               <a:solidFill>
@@ -6737,13 +6760,13 @@
       </p:sp>
       <p:sp>
         <p:nvSpPr>
-          <p:cNvPr id="11" name="矩形 10"/>
+          <p:cNvPr id="19" name="矩形 18"/>
           <p:cNvSpPr/>
           <p:nvPr/>
         </p:nvSpPr>
         <p:spPr>
           <a:xfrm>
-            <a:off x="5846445" y="736600"/>
+            <a:off x="1976755" y="1879600"/>
             <a:ext cx="956945" cy="364490"/>
           </a:xfrm>
           <a:prstGeom prst="rect">
@@ -6794,7 +6817,7 @@
                 <a:ea typeface="宋体" panose="02010600030101010101" pitchFamily="2" charset="-122"/>
                 <a:cs typeface="宋体" panose="02010600030101010101" pitchFamily="2" charset="-122"/>
               </a:rPr>
-              <a:t>字符串</a:t>
+              <a:t>注解</a:t>
             </a:r>
             <a:endParaRPr lang="zh-CN" altLang="en-US" sz="1400" b="1">
               <a:solidFill>
@@ -6809,13 +6832,13 @@
       </p:sp>
       <p:sp>
         <p:nvSpPr>
-          <p:cNvPr id="18" name="矩形 17"/>
+          <p:cNvPr id="32" name="矩形 31"/>
           <p:cNvSpPr/>
           <p:nvPr/>
         </p:nvSpPr>
         <p:spPr>
           <a:xfrm>
-            <a:off x="7135495" y="736600"/>
+            <a:off x="1976755" y="1291590"/>
             <a:ext cx="956945" cy="364490"/>
           </a:xfrm>
           <a:prstGeom prst="rect">
@@ -6858,7 +6881,7 @@
           <a:p>
             <a:pPr algn="ctr"/>
             <a:r>
-              <a:rPr lang="zh-CN" altLang="en-US" sz="1400" b="1">
+              <a:rPr lang="en-US" altLang="zh-CN" sz="1400" b="1">
                 <a:solidFill>
                   <a:srgbClr val="00B050"/>
                 </a:solidFill>
@@ -6866,7 +6889,18 @@
                 <a:ea typeface="宋体" panose="02010600030101010101" pitchFamily="2" charset="-122"/>
                 <a:cs typeface="宋体" panose="02010600030101010101" pitchFamily="2" charset="-122"/>
               </a:rPr>
-              <a:t>日期处理</a:t>
+              <a:t>IO </a:t>
+            </a:r>
+            <a:r>
+              <a:rPr lang="zh-CN" altLang="en-US" sz="1400" b="1">
+                <a:solidFill>
+                  <a:srgbClr val="00B050"/>
+                </a:solidFill>
+                <a:latin typeface="宋体" panose="02010600030101010101" pitchFamily="2" charset="-122"/>
+                <a:ea typeface="宋体" panose="02010600030101010101" pitchFamily="2" charset="-122"/>
+                <a:cs typeface="宋体" panose="02010600030101010101" pitchFamily="2" charset="-122"/>
+              </a:rPr>
+              <a:t>流</a:t>
             </a:r>
             <a:endParaRPr lang="zh-CN" altLang="en-US" sz="1400" b="1">
               <a:solidFill>
@@ -6881,13 +6915,13 @@
       </p:sp>
       <p:sp>
         <p:nvSpPr>
-          <p:cNvPr id="19" name="矩形 18"/>
+          <p:cNvPr id="33" name="矩形 32"/>
           <p:cNvSpPr/>
           <p:nvPr/>
         </p:nvSpPr>
         <p:spPr>
           <a:xfrm>
-            <a:off x="1988185" y="2018665"/>
+            <a:off x="4559935" y="1879600"/>
             <a:ext cx="956945" cy="364490"/>
           </a:xfrm>
           <a:prstGeom prst="rect">
@@ -6930,7 +6964,7 @@
           <a:p>
             <a:pPr algn="ctr"/>
             <a:r>
-              <a:rPr lang="zh-CN" altLang="en-US" sz="1400" b="1">
+              <a:rPr lang="en-US" altLang="zh-CN" sz="1400" b="1">
                 <a:solidFill>
                   <a:srgbClr val="00B050"/>
                 </a:solidFill>
@@ -6938,7 +6972,18 @@
                 <a:ea typeface="宋体" panose="02010600030101010101" pitchFamily="2" charset="-122"/>
                 <a:cs typeface="宋体" panose="02010600030101010101" pitchFamily="2" charset="-122"/>
               </a:rPr>
-              <a:t>注解</a:t>
+              <a:t>XML</a:t>
+            </a:r>
+            <a:r>
+              <a:rPr lang="zh-CN" altLang="en-US" sz="1400" b="1">
+                <a:solidFill>
+                  <a:srgbClr val="00B050"/>
+                </a:solidFill>
+                <a:latin typeface="宋体" panose="02010600030101010101" pitchFamily="2" charset="-122"/>
+                <a:ea typeface="宋体" panose="02010600030101010101" pitchFamily="2" charset="-122"/>
+                <a:cs typeface="宋体" panose="02010600030101010101" pitchFamily="2" charset="-122"/>
+              </a:rPr>
+              <a:t>简介</a:t>
             </a:r>
             <a:endParaRPr lang="zh-CN" altLang="en-US" sz="1400" b="1">
               <a:solidFill>
@@ -6953,13 +6998,13 @@
       </p:sp>
       <p:sp>
         <p:nvSpPr>
-          <p:cNvPr id="32" name="矩形 31"/>
+          <p:cNvPr id="34" name="矩形 33"/>
           <p:cNvSpPr/>
           <p:nvPr/>
         </p:nvSpPr>
         <p:spPr>
           <a:xfrm>
-            <a:off x="1988185" y="1369695"/>
+            <a:off x="4558030" y="1291590"/>
             <a:ext cx="956945" cy="364490"/>
           </a:xfrm>
           <a:prstGeom prst="rect">
@@ -7002,7 +7047,7 @@
           <a:p>
             <a:pPr algn="ctr"/>
             <a:r>
-              <a:rPr lang="en-US" altLang="zh-CN" sz="1400" b="1">
+              <a:rPr lang="zh-CN" altLang="en-US" sz="1400" b="1">
                 <a:solidFill>
                   <a:srgbClr val="00B050"/>
                 </a:solidFill>
@@ -7010,18 +7055,7 @@
                 <a:ea typeface="宋体" panose="02010600030101010101" pitchFamily="2" charset="-122"/>
                 <a:cs typeface="宋体" panose="02010600030101010101" pitchFamily="2" charset="-122"/>
               </a:rPr>
-              <a:t>IO </a:t>
-            </a:r>
-            <a:r>
-              <a:rPr lang="zh-CN" altLang="en-US" sz="1400" b="1">
-                <a:solidFill>
-                  <a:srgbClr val="00B050"/>
-                </a:solidFill>
-                <a:latin typeface="宋体" panose="02010600030101010101" pitchFamily="2" charset="-122"/>
-                <a:ea typeface="宋体" panose="02010600030101010101" pitchFamily="2" charset="-122"/>
-                <a:cs typeface="宋体" panose="02010600030101010101" pitchFamily="2" charset="-122"/>
-              </a:rPr>
-              <a:t>流</a:t>
+              <a:t>高并发</a:t>
             </a:r>
             <a:endParaRPr lang="zh-CN" altLang="en-US" sz="1400" b="1">
               <a:solidFill>
@@ -7036,13 +7070,13 @@
       </p:sp>
       <p:sp>
         <p:nvSpPr>
-          <p:cNvPr id="33" name="矩形 32"/>
+          <p:cNvPr id="35" name="矩形 34"/>
           <p:cNvSpPr/>
           <p:nvPr/>
         </p:nvSpPr>
         <p:spPr>
           <a:xfrm>
-            <a:off x="4571365" y="2018665"/>
+            <a:off x="3268345" y="1291590"/>
             <a:ext cx="956945" cy="364490"/>
           </a:xfrm>
           <a:prstGeom prst="rect">
@@ -7085,7 +7119,7 @@
           <a:p>
             <a:pPr algn="ctr"/>
             <a:r>
-              <a:rPr lang="en-US" altLang="zh-CN" sz="1400" b="1">
+              <a:rPr lang="zh-CN" altLang="en-US" sz="1400" b="1">
                 <a:solidFill>
                   <a:srgbClr val="00B050"/>
                 </a:solidFill>
@@ -7093,18 +7127,7 @@
                 <a:ea typeface="宋体" panose="02010600030101010101" pitchFamily="2" charset="-122"/>
                 <a:cs typeface="宋体" panose="02010600030101010101" pitchFamily="2" charset="-122"/>
               </a:rPr>
-              <a:t>XML</a:t>
-            </a:r>
-            <a:r>
-              <a:rPr lang="zh-CN" altLang="en-US" sz="1400" b="1">
-                <a:solidFill>
-                  <a:srgbClr val="00B050"/>
-                </a:solidFill>
-                <a:latin typeface="宋体" panose="02010600030101010101" pitchFamily="2" charset="-122"/>
-                <a:ea typeface="宋体" panose="02010600030101010101" pitchFamily="2" charset="-122"/>
-                <a:cs typeface="宋体" panose="02010600030101010101" pitchFamily="2" charset="-122"/>
-              </a:rPr>
-              <a:t>简介</a:t>
+              <a:t>反射</a:t>
             </a:r>
             <a:endParaRPr lang="zh-CN" altLang="en-US" sz="1400" b="1">
               <a:solidFill>
@@ -7119,13 +7142,13 @@
       </p:sp>
       <p:sp>
         <p:nvSpPr>
-          <p:cNvPr id="34" name="矩形 33"/>
+          <p:cNvPr id="36" name="矩形 35"/>
           <p:cNvSpPr/>
           <p:nvPr/>
         </p:nvSpPr>
         <p:spPr>
           <a:xfrm>
-            <a:off x="4569460" y="1369695"/>
+            <a:off x="7117080" y="1291590"/>
             <a:ext cx="956945" cy="364490"/>
           </a:xfrm>
           <a:prstGeom prst="rect">
@@ -7176,7 +7199,7 @@
                 <a:ea typeface="宋体" panose="02010600030101010101" pitchFamily="2" charset="-122"/>
                 <a:cs typeface="宋体" panose="02010600030101010101" pitchFamily="2" charset="-122"/>
               </a:rPr>
-              <a:t>高并发</a:t>
+              <a:t>泛型</a:t>
             </a:r>
             <a:endParaRPr lang="zh-CN" altLang="en-US" sz="1400" b="1">
               <a:solidFill>
@@ -7191,13 +7214,13 @@
       </p:sp>
       <p:sp>
         <p:nvSpPr>
-          <p:cNvPr id="35" name="矩形 34"/>
+          <p:cNvPr id="37" name="矩形 36"/>
           <p:cNvSpPr/>
           <p:nvPr/>
         </p:nvSpPr>
         <p:spPr>
           <a:xfrm>
-            <a:off x="3279775" y="1369695"/>
+            <a:off x="9686290" y="736600"/>
             <a:ext cx="956945" cy="364490"/>
           </a:xfrm>
           <a:prstGeom prst="rect">
@@ -7248,7 +7271,7 @@
                 <a:ea typeface="宋体" panose="02010600030101010101" pitchFamily="2" charset="-122"/>
                 <a:cs typeface="宋体" panose="02010600030101010101" pitchFamily="2" charset="-122"/>
               </a:rPr>
-              <a:t>反射</a:t>
+              <a:t>集合</a:t>
             </a:r>
             <a:endParaRPr lang="zh-CN" altLang="en-US" sz="1400" b="1">
               <a:solidFill>
@@ -7263,13 +7286,13 @@
       </p:sp>
       <p:sp>
         <p:nvSpPr>
-          <p:cNvPr id="36" name="矩形 35"/>
+          <p:cNvPr id="38" name="矩形 37"/>
           <p:cNvSpPr/>
           <p:nvPr/>
         </p:nvSpPr>
         <p:spPr>
           <a:xfrm>
-            <a:off x="7128510" y="1369695"/>
+            <a:off x="9693275" y="1291590"/>
             <a:ext cx="956945" cy="364490"/>
           </a:xfrm>
           <a:prstGeom prst="rect">
@@ -7320,7 +7343,7 @@
                 <a:ea typeface="宋体" panose="02010600030101010101" pitchFamily="2" charset="-122"/>
                 <a:cs typeface="宋体" panose="02010600030101010101" pitchFamily="2" charset="-122"/>
               </a:rPr>
-              <a:t>泛型</a:t>
+              <a:t>枚举</a:t>
             </a:r>
             <a:endParaRPr lang="zh-CN" altLang="en-US" sz="1400" b="1">
               <a:solidFill>
@@ -7335,13 +7358,13 @@
       </p:sp>
       <p:sp>
         <p:nvSpPr>
-          <p:cNvPr id="37" name="矩形 36"/>
+          <p:cNvPr id="39" name="矩形 38"/>
           <p:cNvSpPr/>
           <p:nvPr/>
         </p:nvSpPr>
         <p:spPr>
           <a:xfrm>
-            <a:off x="9686290" y="736600"/>
+            <a:off x="3268345" y="1879600"/>
             <a:ext cx="956945" cy="364490"/>
           </a:xfrm>
           <a:prstGeom prst="rect">
@@ -7392,7 +7415,7 @@
                 <a:ea typeface="宋体" panose="02010600030101010101" pitchFamily="2" charset="-122"/>
                 <a:cs typeface="宋体" panose="02010600030101010101" pitchFamily="2" charset="-122"/>
               </a:rPr>
-              <a:t>集合</a:t>
+              <a:t>网络编程</a:t>
             </a:r>
             <a:endParaRPr lang="zh-CN" altLang="en-US" sz="1400" b="1">
               <a:solidFill>
@@ -7407,13 +7430,13 @@
       </p:sp>
       <p:sp>
         <p:nvSpPr>
-          <p:cNvPr id="38" name="矩形 37"/>
+          <p:cNvPr id="40" name="矩形 39"/>
           <p:cNvSpPr/>
           <p:nvPr/>
         </p:nvSpPr>
         <p:spPr>
           <a:xfrm>
-            <a:off x="9704705" y="1369695"/>
+            <a:off x="8422640" y="736600"/>
             <a:ext cx="956945" cy="364490"/>
           </a:xfrm>
           <a:prstGeom prst="rect">
@@ -7464,7 +7487,7 @@
                 <a:ea typeface="宋体" panose="02010600030101010101" pitchFamily="2" charset="-122"/>
                 <a:cs typeface="宋体" panose="02010600030101010101" pitchFamily="2" charset="-122"/>
               </a:rPr>
-              <a:t>枚举</a:t>
+              <a:t>异常处理</a:t>
             </a:r>
             <a:endParaRPr lang="zh-CN" altLang="en-US" sz="1400" b="1">
               <a:solidFill>
@@ -7479,13 +7502,13 @@
       </p:sp>
       <p:sp>
         <p:nvSpPr>
-          <p:cNvPr id="39" name="矩形 38"/>
+          <p:cNvPr id="41" name="矩形 40"/>
           <p:cNvSpPr/>
           <p:nvPr/>
         </p:nvSpPr>
         <p:spPr>
           <a:xfrm>
-            <a:off x="3279775" y="2018665"/>
+            <a:off x="8406130" y="1291590"/>
             <a:ext cx="956945" cy="364490"/>
           </a:xfrm>
           <a:prstGeom prst="rect">
@@ -7536,7 +7559,7 @@
                 <a:ea typeface="宋体" panose="02010600030101010101" pitchFamily="2" charset="-122"/>
                 <a:cs typeface="宋体" panose="02010600030101010101" pitchFamily="2" charset="-122"/>
               </a:rPr>
-              <a:t>网络编程</a:t>
+              <a:t>正则</a:t>
             </a:r>
             <a:endParaRPr lang="zh-CN" altLang="en-US" sz="1400" b="1">
               <a:solidFill>
@@ -7549,15 +7572,91 @@
           </a:p>
         </p:txBody>
       </p:sp>
-      <p:sp>
-        <p:nvSpPr>
-          <p:cNvPr id="40" name="矩形 39"/>
+      <p:cxnSp>
+        <p:nvCxnSpPr>
+          <p:cNvPr id="44" name="直接连接符 43"/>
+          <p:cNvCxnSpPr/>
+          <p:nvPr/>
+        </p:nvCxnSpPr>
+        <p:spPr>
+          <a:xfrm>
+            <a:off x="314960" y="2409190"/>
+            <a:ext cx="11411585" cy="0"/>
+          </a:xfrm>
+          <a:prstGeom prst="line">
+            <a:avLst/>
+          </a:prstGeom>
+          <a:ln>
+            <a:solidFill>
+              <a:schemeClr val="bg2">
+                <a:lumMod val="65000"/>
+              </a:schemeClr>
+            </a:solidFill>
+            <a:prstDash val="sysDash"/>
+          </a:ln>
+        </p:spPr>
+        <p:style>
+          <a:lnRef idx="3">
+            <a:schemeClr val="accent3"/>
+          </a:lnRef>
+          <a:fillRef idx="0">
+            <a:schemeClr val="accent3"/>
+          </a:fillRef>
+          <a:effectRef idx="2">
+            <a:schemeClr val="accent3"/>
+          </a:effectRef>
+          <a:fontRef idx="minor">
+            <a:schemeClr val="tx1"/>
+          </a:fontRef>
+        </p:style>
+      </p:cxnSp>
+      <p:cxnSp>
+        <p:nvCxnSpPr>
+          <p:cNvPr id="45" name="直接连接符 44"/>
+          <p:cNvCxnSpPr/>
+          <p:nvPr/>
+        </p:nvCxnSpPr>
+        <p:spPr>
+          <a:xfrm>
+            <a:off x="314325" y="3346450"/>
+            <a:ext cx="11411585" cy="0"/>
+          </a:xfrm>
+          <a:prstGeom prst="line">
+            <a:avLst/>
+          </a:prstGeom>
+          <a:ln>
+            <a:solidFill>
+              <a:schemeClr val="bg2">
+                <a:lumMod val="65000"/>
+              </a:schemeClr>
+            </a:solidFill>
+            <a:prstDash val="sysDash"/>
+          </a:ln>
+        </p:spPr>
+        <p:style>
+          <a:lnRef idx="3">
+            <a:schemeClr val="accent3"/>
+          </a:lnRef>
+          <a:fillRef idx="0">
+            <a:schemeClr val="accent3"/>
+          </a:fillRef>
+          <a:effectRef idx="2">
+            <a:schemeClr val="accent3"/>
+          </a:effectRef>
+          <a:fontRef idx="minor">
+            <a:schemeClr val="tx1"/>
+          </a:fontRef>
+        </p:style>
+      </p:cxnSp>
+      <p:sp>
+        <p:nvSpPr>
+          <p:cNvPr id="46" name="矩形 45"/>
           <p:cNvSpPr/>
           <p:nvPr/>
         </p:nvSpPr>
         <p:spPr>
           <a:xfrm>
-            <a:off x="8422640" y="736600"/>
+            <a:off x="1976755" y="2735580"/>
             <a:ext cx="956945" cy="364490"/>
           </a:xfrm>
           <a:prstGeom prst="rect">
@@ -7600,7 +7699,7 @@
           <a:p>
             <a:pPr algn="ctr"/>
             <a:r>
-              <a:rPr lang="zh-CN" altLang="en-US" sz="1400" b="1">
+              <a:rPr lang="en-US" altLang="zh-CN" sz="1400" b="1">
                 <a:solidFill>
                   <a:srgbClr val="00B050"/>
                 </a:solidFill>
@@ -7608,9 +7707,9 @@
                 <a:ea typeface="宋体" panose="02010600030101010101" pitchFamily="2" charset="-122"/>
                 <a:cs typeface="宋体" panose="02010600030101010101" pitchFamily="2" charset="-122"/>
               </a:rPr>
-              <a:t>异常处理</a:t>
-            </a:r>
-            <a:endParaRPr lang="zh-CN" altLang="en-US" sz="1400" b="1">
+              <a:t>html</a:t>
+            </a:r>
+            <a:endParaRPr lang="en-US" altLang="zh-CN" sz="1400" b="1">
               <a:solidFill>
                 <a:srgbClr val="00B050"/>
               </a:solidFill>
@@ -7623,13 +7722,13 @@
       </p:sp>
       <p:sp>
         <p:nvSpPr>
-          <p:cNvPr id="41" name="矩形 40"/>
+          <p:cNvPr id="47" name="矩形 46"/>
           <p:cNvSpPr/>
           <p:nvPr/>
         </p:nvSpPr>
         <p:spPr>
           <a:xfrm>
-            <a:off x="8417560" y="1369695"/>
+            <a:off x="3268345" y="2735580"/>
             <a:ext cx="956945" cy="364490"/>
           </a:xfrm>
           <a:prstGeom prst="rect">
@@ -7672,7 +7771,7 @@
           <a:p>
             <a:pPr algn="ctr"/>
             <a:r>
-              <a:rPr lang="zh-CN" altLang="en-US" sz="1400" b="1">
+              <a:rPr lang="en-US" altLang="zh-CN" sz="1400" b="1">
                 <a:solidFill>
                   <a:srgbClr val="00B050"/>
                 </a:solidFill>
@@ -7680,9 +7779,9 @@
                 <a:ea typeface="宋体" panose="02010600030101010101" pitchFamily="2" charset="-122"/>
                 <a:cs typeface="宋体" panose="02010600030101010101" pitchFamily="2" charset="-122"/>
               </a:rPr>
-              <a:t>正则</a:t>
-            </a:r>
-            <a:endParaRPr lang="zh-CN" altLang="en-US" sz="1400" b="1">
+              <a:t>css</a:t>
+            </a:r>
+            <a:endParaRPr lang="en-US" altLang="zh-CN" sz="1400" b="1">
               <a:solidFill>
                 <a:srgbClr val="00B050"/>
               </a:solidFill>
@@ -7693,82 +7792,16 @@
           </a:p>
         </p:txBody>
       </p:sp>
-      <p:cxnSp>
-        <p:nvCxnSpPr>
-          <p:cNvPr id="44" name="直接连接符 43"/>
-          <p:cNvCxnSpPr/>
+      <p:sp>
+        <p:nvSpPr>
+          <p:cNvPr id="48" name="矩形 47"/>
+          <p:cNvSpPr/>
           <p:nvPr/>
-        </p:nvCxnSpPr>
+        </p:nvSpPr>
         <p:spPr>
           <a:xfrm>
-            <a:off x="393700" y="2558415"/>
-            <a:ext cx="11411585" cy="0"/>
-          </a:xfrm>
-          <a:prstGeom prst="line">
-            <a:avLst/>
-          </a:prstGeom>
-          <a:ln w="19050">
-            <a:prstDash val="dash"/>
-          </a:ln>
-        </p:spPr>
-        <p:style>
-          <a:lnRef idx="1">
-            <a:schemeClr val="accent1"/>
-          </a:lnRef>
-          <a:fillRef idx="0">
-            <a:schemeClr val="accent1"/>
-          </a:fillRef>
-          <a:effectRef idx="0">
-            <a:schemeClr val="accent1"/>
-          </a:effectRef>
-          <a:fontRef idx="minor">
-            <a:schemeClr val="tx1"/>
-          </a:fontRef>
-        </p:style>
-      </p:cxnSp>
-      <p:cxnSp>
-        <p:nvCxnSpPr>
-          <p:cNvPr id="45" name="直接连接符 44"/>
-          <p:cNvCxnSpPr/>
-          <p:nvPr/>
-        </p:nvCxnSpPr>
-        <p:spPr>
-          <a:xfrm>
-            <a:off x="407670" y="4396105"/>
-            <a:ext cx="11411585" cy="0"/>
-          </a:xfrm>
-          <a:prstGeom prst="line">
-            <a:avLst/>
-          </a:prstGeom>
-          <a:ln w="19050">
-            <a:prstDash val="dash"/>
-          </a:ln>
-        </p:spPr>
-        <p:style>
-          <a:lnRef idx="1">
-            <a:schemeClr val="accent1"/>
-          </a:lnRef>
-          <a:fillRef idx="0">
-            <a:schemeClr val="accent1"/>
-          </a:fillRef>
-          <a:effectRef idx="0">
-            <a:schemeClr val="accent1"/>
-          </a:effectRef>
-          <a:fontRef idx="minor">
-            <a:schemeClr val="tx1"/>
-          </a:fontRef>
-        </p:style>
-      </p:cxnSp>
-      <p:sp>
-        <p:nvSpPr>
-          <p:cNvPr id="46" name="矩形 45"/>
-          <p:cNvSpPr/>
-          <p:nvPr/>
-        </p:nvSpPr>
-        <p:spPr>
-          <a:xfrm>
-            <a:off x="1988185" y="2785110"/>
-            <a:ext cx="956945" cy="364490"/>
+            <a:off x="4448810" y="2735580"/>
+            <a:ext cx="1176020" cy="364490"/>
           </a:xfrm>
           <a:prstGeom prst="rect">
             <a:avLst/>
@@ -7818,7 +7851,7 @@
                 <a:ea typeface="宋体" panose="02010600030101010101" pitchFamily="2" charset="-122"/>
                 <a:cs typeface="宋体" panose="02010600030101010101" pitchFamily="2" charset="-122"/>
               </a:rPr>
-              <a:t>html</a:t>
+              <a:t>JavaScript</a:t>
             </a:r>
             <a:endParaRPr lang="en-US" altLang="zh-CN" sz="1400" b="1">
               <a:solidFill>
@@ -7833,13 +7866,13 @@
       </p:sp>
       <p:sp>
         <p:nvSpPr>
-          <p:cNvPr id="47" name="矩形 46"/>
+          <p:cNvPr id="57" name="矩形 56"/>
           <p:cNvSpPr/>
           <p:nvPr/>
         </p:nvSpPr>
         <p:spPr>
           <a:xfrm>
-            <a:off x="3279775" y="2785110"/>
+            <a:off x="1976755" y="3511550"/>
             <a:ext cx="956945" cy="364490"/>
           </a:xfrm>
           <a:prstGeom prst="rect">
@@ -7890,7 +7923,7 @@
                 <a:ea typeface="宋体" panose="02010600030101010101" pitchFamily="2" charset="-122"/>
                 <a:cs typeface="宋体" panose="02010600030101010101" pitchFamily="2" charset="-122"/>
               </a:rPr>
-              <a:t>css</a:t>
+              <a:t>mysql</a:t>
             </a:r>
             <a:endParaRPr lang="en-US" altLang="zh-CN" sz="1400" b="1">
               <a:solidFill>
@@ -7905,14 +7938,14 @@
       </p:sp>
       <p:sp>
         <p:nvSpPr>
-          <p:cNvPr id="48" name="矩形 47"/>
+          <p:cNvPr id="58" name="矩形 57"/>
           <p:cNvSpPr/>
           <p:nvPr/>
         </p:nvSpPr>
         <p:spPr>
           <a:xfrm>
-            <a:off x="4569460" y="2785110"/>
-            <a:ext cx="1176020" cy="364490"/>
+            <a:off x="4558030" y="3511550"/>
+            <a:ext cx="956945" cy="364490"/>
           </a:xfrm>
           <a:prstGeom prst="rect">
             <a:avLst/>
@@ -7962,7 +7995,7 @@
                 <a:ea typeface="宋体" panose="02010600030101010101" pitchFamily="2" charset="-122"/>
                 <a:cs typeface="宋体" panose="02010600030101010101" pitchFamily="2" charset="-122"/>
               </a:rPr>
-              <a:t>JavaScript</a:t>
+              <a:t>servlet</a:t>
             </a:r>
             <a:endParaRPr lang="en-US" altLang="zh-CN" sz="1400" b="1">
               <a:solidFill>
@@ -7977,13 +8010,13 @@
       </p:sp>
       <p:sp>
         <p:nvSpPr>
-          <p:cNvPr id="57" name="矩形 56"/>
+          <p:cNvPr id="59" name="矩形 58"/>
           <p:cNvSpPr/>
           <p:nvPr/>
         </p:nvSpPr>
         <p:spPr>
           <a:xfrm>
-            <a:off x="1988185" y="3346450"/>
+            <a:off x="3268345" y="3511550"/>
             <a:ext cx="956945" cy="364490"/>
           </a:xfrm>
           <a:prstGeom prst="rect">
@@ -8034,7 +8067,7 @@
                 <a:ea typeface="宋体" panose="02010600030101010101" pitchFamily="2" charset="-122"/>
                 <a:cs typeface="宋体" panose="02010600030101010101" pitchFamily="2" charset="-122"/>
               </a:rPr>
-              <a:t>mysql</a:t>
+              <a:t>jdbc</a:t>
             </a:r>
             <a:endParaRPr lang="en-US" altLang="zh-CN" sz="1400" b="1">
               <a:solidFill>
@@ -8049,13 +8082,13 @@
       </p:sp>
       <p:sp>
         <p:nvSpPr>
-          <p:cNvPr id="58" name="矩形 57"/>
+          <p:cNvPr id="60" name="矩形 59"/>
           <p:cNvSpPr/>
           <p:nvPr/>
         </p:nvSpPr>
         <p:spPr>
           <a:xfrm>
-            <a:off x="4569460" y="3346450"/>
+            <a:off x="5835015" y="3511550"/>
             <a:ext cx="956945" cy="364490"/>
           </a:xfrm>
           <a:prstGeom prst="rect">
@@ -8106,7 +8139,7 @@
                 <a:ea typeface="宋体" panose="02010600030101010101" pitchFamily="2" charset="-122"/>
                 <a:cs typeface="宋体" panose="02010600030101010101" pitchFamily="2" charset="-122"/>
               </a:rPr>
-              <a:t>servlet</a:t>
+              <a:t>jsp</a:t>
             </a:r>
             <a:endParaRPr lang="en-US" altLang="zh-CN" sz="1400" b="1">
               <a:solidFill>
@@ -8121,13 +8154,13 @@
       </p:sp>
       <p:sp>
         <p:nvSpPr>
-          <p:cNvPr id="59" name="矩形 58"/>
+          <p:cNvPr id="61" name="矩形 60"/>
           <p:cNvSpPr/>
           <p:nvPr/>
         </p:nvSpPr>
         <p:spPr>
           <a:xfrm>
-            <a:off x="3279775" y="3346450"/>
+            <a:off x="8411210" y="3511550"/>
             <a:ext cx="956945" cy="364490"/>
           </a:xfrm>
           <a:prstGeom prst="rect">
@@ -8178,7 +8211,7 @@
                 <a:ea typeface="宋体" panose="02010600030101010101" pitchFamily="2" charset="-122"/>
                 <a:cs typeface="宋体" panose="02010600030101010101" pitchFamily="2" charset="-122"/>
               </a:rPr>
-              <a:t>jdbc</a:t>
+              <a:t>session</a:t>
             </a:r>
             <a:endParaRPr lang="en-US" altLang="zh-CN" sz="1400" b="1">
               <a:solidFill>
@@ -8193,13 +8226,13 @@
       </p:sp>
       <p:sp>
         <p:nvSpPr>
-          <p:cNvPr id="60" name="矩形 59"/>
+          <p:cNvPr id="62" name="矩形 61"/>
           <p:cNvSpPr/>
           <p:nvPr/>
         </p:nvSpPr>
         <p:spPr>
           <a:xfrm>
-            <a:off x="5846445" y="3346450"/>
+            <a:off x="7124065" y="3511550"/>
             <a:ext cx="956945" cy="364490"/>
           </a:xfrm>
           <a:prstGeom prst="rect">
@@ -8250,7 +8283,7 @@
                 <a:ea typeface="宋体" panose="02010600030101010101" pitchFamily="2" charset="-122"/>
                 <a:cs typeface="宋体" panose="02010600030101010101" pitchFamily="2" charset="-122"/>
               </a:rPr>
-              <a:t>jsp</a:t>
+              <a:t>cookie</a:t>
             </a:r>
             <a:endParaRPr lang="en-US" altLang="zh-CN" sz="1400" b="1">
               <a:solidFill>
@@ -8265,13 +8298,13 @@
       </p:sp>
       <p:sp>
         <p:nvSpPr>
-          <p:cNvPr id="61" name="矩形 60"/>
+          <p:cNvPr id="63" name="矩形 62"/>
           <p:cNvSpPr/>
           <p:nvPr/>
         </p:nvSpPr>
         <p:spPr>
           <a:xfrm>
-            <a:off x="8422640" y="3346450"/>
+            <a:off x="3277870" y="4838065"/>
             <a:ext cx="956945" cy="364490"/>
           </a:xfrm>
           <a:prstGeom prst="rect">
@@ -8322,7 +8355,7 @@
                 <a:ea typeface="宋体" panose="02010600030101010101" pitchFamily="2" charset="-122"/>
                 <a:cs typeface="宋体" panose="02010600030101010101" pitchFamily="2" charset="-122"/>
               </a:rPr>
-              <a:t>session</a:t>
+              <a:t>git</a:t>
             </a:r>
             <a:endParaRPr lang="en-US" altLang="zh-CN" sz="1400" b="1">
               <a:solidFill>
@@ -8337,13 +8370,13 @@
       </p:sp>
       <p:sp>
         <p:nvSpPr>
-          <p:cNvPr id="62" name="矩形 61"/>
+          <p:cNvPr id="64" name="矩形 63"/>
           <p:cNvSpPr/>
           <p:nvPr/>
         </p:nvSpPr>
         <p:spPr>
           <a:xfrm>
-            <a:off x="7135495" y="3346450"/>
+            <a:off x="1976755" y="4062095"/>
             <a:ext cx="956945" cy="364490"/>
           </a:xfrm>
           <a:prstGeom prst="rect">
@@ -8394,7 +8427,7 @@
                 <a:ea typeface="宋体" panose="02010600030101010101" pitchFamily="2" charset="-122"/>
                 <a:cs typeface="宋体" panose="02010600030101010101" pitchFamily="2" charset="-122"/>
               </a:rPr>
-              <a:t>cookie</a:t>
+              <a:t>spring</a:t>
             </a:r>
             <a:endParaRPr lang="en-US" altLang="zh-CN" sz="1400" b="1">
               <a:solidFill>
@@ -8409,13 +8442,13 @@
       </p:sp>
       <p:sp>
         <p:nvSpPr>
-          <p:cNvPr id="63" name="矩形 62"/>
+          <p:cNvPr id="65" name="矩形 64"/>
           <p:cNvSpPr/>
           <p:nvPr/>
         </p:nvSpPr>
         <p:spPr>
           <a:xfrm>
-            <a:off x="3277870" y="4648835"/>
+            <a:off x="4558030" y="4062095"/>
             <a:ext cx="956945" cy="364490"/>
           </a:xfrm>
           <a:prstGeom prst="rect">
@@ -8466,7 +8499,7 @@
                 <a:ea typeface="宋体" panose="02010600030101010101" pitchFamily="2" charset="-122"/>
                 <a:cs typeface="宋体" panose="02010600030101010101" pitchFamily="2" charset="-122"/>
               </a:rPr>
-              <a:t>git</a:t>
+              <a:t>mybatis</a:t>
             </a:r>
             <a:endParaRPr lang="en-US" altLang="zh-CN" sz="1400" b="1">
               <a:solidFill>
@@ -8481,14 +8514,14 @@
       </p:sp>
       <p:sp>
         <p:nvSpPr>
-          <p:cNvPr id="64" name="矩形 63"/>
+          <p:cNvPr id="66" name="矩形 65"/>
           <p:cNvSpPr/>
           <p:nvPr/>
         </p:nvSpPr>
         <p:spPr>
           <a:xfrm>
-            <a:off x="1988185" y="3872865"/>
-            <a:ext cx="956945" cy="364490"/>
+            <a:off x="3268345" y="4062095"/>
+            <a:ext cx="1120775" cy="364490"/>
           </a:xfrm>
           <a:prstGeom prst="rect">
             <a:avLst/>
@@ -8538,7 +8571,7 @@
                 <a:ea typeface="宋体" panose="02010600030101010101" pitchFamily="2" charset="-122"/>
                 <a:cs typeface="宋体" panose="02010600030101010101" pitchFamily="2" charset="-122"/>
               </a:rPr>
-              <a:t>spring</a:t>
+              <a:t>springmvc</a:t>
             </a:r>
             <a:endParaRPr lang="en-US" altLang="zh-CN" sz="1400" b="1">
               <a:solidFill>
@@ -8553,13 +8586,13 @@
       </p:sp>
       <p:sp>
         <p:nvSpPr>
-          <p:cNvPr id="65" name="矩形 64"/>
+          <p:cNvPr id="67" name="矩形 66"/>
           <p:cNvSpPr/>
           <p:nvPr/>
         </p:nvSpPr>
         <p:spPr>
           <a:xfrm>
-            <a:off x="4569460" y="3872865"/>
+            <a:off x="5835015" y="4062095"/>
             <a:ext cx="956945" cy="364490"/>
           </a:xfrm>
           <a:prstGeom prst="rect">
@@ -8610,7 +8643,7 @@
                 <a:ea typeface="宋体" panose="02010600030101010101" pitchFamily="2" charset="-122"/>
                 <a:cs typeface="宋体" panose="02010600030101010101" pitchFamily="2" charset="-122"/>
               </a:rPr>
-              <a:t>mybatis</a:t>
+              <a:t>ssm</a:t>
             </a:r>
             <a:endParaRPr lang="en-US" altLang="zh-CN" sz="1400" b="1">
               <a:solidFill>
@@ -8625,14 +8658,14 @@
       </p:sp>
       <p:sp>
         <p:nvSpPr>
-          <p:cNvPr id="66" name="矩形 65"/>
+          <p:cNvPr id="68" name="矩形 67"/>
           <p:cNvSpPr/>
           <p:nvPr/>
         </p:nvSpPr>
         <p:spPr>
           <a:xfrm>
-            <a:off x="3279775" y="3872865"/>
-            <a:ext cx="1120775" cy="364490"/>
+            <a:off x="4569460" y="4838065"/>
+            <a:ext cx="956945" cy="364490"/>
           </a:xfrm>
           <a:prstGeom prst="rect">
             <a:avLst/>
@@ -8682,7 +8715,7 @@
                 <a:ea typeface="宋体" panose="02010600030101010101" pitchFamily="2" charset="-122"/>
                 <a:cs typeface="宋体" panose="02010600030101010101" pitchFamily="2" charset="-122"/>
               </a:rPr>
-              <a:t>springmvc</a:t>
+              <a:t>maven</a:t>
             </a:r>
             <a:endParaRPr lang="en-US" altLang="zh-CN" sz="1400" b="1">
               <a:solidFill>
@@ -8697,14 +8730,14 @@
       </p:sp>
       <p:sp>
         <p:nvSpPr>
-          <p:cNvPr id="67" name="矩形 66"/>
+          <p:cNvPr id="69" name="矩形 68"/>
           <p:cNvSpPr/>
           <p:nvPr/>
         </p:nvSpPr>
         <p:spPr>
           <a:xfrm>
-            <a:off x="5846445" y="3872865"/>
-            <a:ext cx="956945" cy="364490"/>
+            <a:off x="7022465" y="4062095"/>
+            <a:ext cx="1158240" cy="364490"/>
           </a:xfrm>
           <a:prstGeom prst="rect">
             <a:avLst/>
@@ -8754,7 +8787,7 @@
                 <a:ea typeface="宋体" panose="02010600030101010101" pitchFamily="2" charset="-122"/>
                 <a:cs typeface="宋体" panose="02010600030101010101" pitchFamily="2" charset="-122"/>
               </a:rPr>
-              <a:t>ssm</a:t>
+              <a:t>springboot</a:t>
             </a:r>
             <a:endParaRPr lang="en-US" altLang="zh-CN" sz="1400" b="1">
               <a:solidFill>
@@ -8769,14 +8802,14 @@
       </p:sp>
       <p:sp>
         <p:nvSpPr>
-          <p:cNvPr id="68" name="矩形 67"/>
+          <p:cNvPr id="70" name="矩形 69"/>
           <p:cNvSpPr/>
           <p:nvPr/>
         </p:nvSpPr>
         <p:spPr>
           <a:xfrm>
-            <a:off x="8422640" y="3872865"/>
-            <a:ext cx="956945" cy="364490"/>
+            <a:off x="5835015" y="2735580"/>
+            <a:ext cx="1176020" cy="364490"/>
           </a:xfrm>
           <a:prstGeom prst="rect">
             <a:avLst/>
@@ -8826,7 +8859,7 @@
                 <a:ea typeface="宋体" panose="02010600030101010101" pitchFamily="2" charset="-122"/>
                 <a:cs typeface="宋体" panose="02010600030101010101" pitchFamily="2" charset="-122"/>
               </a:rPr>
-              <a:t>maven</a:t>
+              <a:t>jquery</a:t>
             </a:r>
             <a:endParaRPr lang="en-US" altLang="zh-CN" sz="1400" b="1">
               <a:solidFill>
@@ -8841,14 +8874,14 @@
       </p:sp>
       <p:sp>
         <p:nvSpPr>
-          <p:cNvPr id="69" name="矩形 68"/>
+          <p:cNvPr id="71" name="矩形 70"/>
           <p:cNvSpPr/>
           <p:nvPr/>
         </p:nvSpPr>
         <p:spPr>
           <a:xfrm>
-            <a:off x="7033895" y="3872865"/>
-            <a:ext cx="1158240" cy="364490"/>
+            <a:off x="7223760" y="2731770"/>
+            <a:ext cx="956945" cy="364490"/>
           </a:xfrm>
           <a:prstGeom prst="rect">
             <a:avLst/>
@@ -8898,7 +8931,7 @@
                 <a:ea typeface="宋体" panose="02010600030101010101" pitchFamily="2" charset="-122"/>
                 <a:cs typeface="宋体" panose="02010600030101010101" pitchFamily="2" charset="-122"/>
               </a:rPr>
-              <a:t>springboot</a:t>
+              <a:t>vue</a:t>
             </a:r>
             <a:endParaRPr lang="en-US" altLang="zh-CN" sz="1400" b="1">
               <a:solidFill>
@@ -8913,14 +8946,14 @@
       </p:sp>
       <p:sp>
         <p:nvSpPr>
-          <p:cNvPr id="70" name="矩形 69"/>
+          <p:cNvPr id="72" name="矩形 71"/>
           <p:cNvSpPr/>
           <p:nvPr/>
         </p:nvSpPr>
         <p:spPr>
           <a:xfrm>
-            <a:off x="5846445" y="2785110"/>
-            <a:ext cx="1176020" cy="364490"/>
+            <a:off x="9674860" y="3511550"/>
+            <a:ext cx="956945" cy="364490"/>
           </a:xfrm>
           <a:prstGeom prst="rect">
             <a:avLst/>
@@ -8970,7 +9003,7 @@
                 <a:ea typeface="宋体" panose="02010600030101010101" pitchFamily="2" charset="-122"/>
                 <a:cs typeface="宋体" panose="02010600030101010101" pitchFamily="2" charset="-122"/>
               </a:rPr>
-              <a:t>jquery</a:t>
+              <a:t>tomcat</a:t>
             </a:r>
             <a:endParaRPr lang="en-US" altLang="zh-CN" sz="1400" b="1">
               <a:solidFill>
@@ -8985,13 +9018,13 @@
       </p:sp>
       <p:sp>
         <p:nvSpPr>
-          <p:cNvPr id="71" name="矩形 70"/>
+          <p:cNvPr id="74" name="矩形 73"/>
           <p:cNvSpPr/>
           <p:nvPr/>
         </p:nvSpPr>
         <p:spPr>
           <a:xfrm>
-            <a:off x="9686290" y="3872865"/>
+            <a:off x="1988185" y="4838065"/>
             <a:ext cx="956945" cy="364490"/>
           </a:xfrm>
           <a:prstGeom prst="rect">
@@ -9042,7 +9075,7 @@
                 <a:ea typeface="宋体" panose="02010600030101010101" pitchFamily="2" charset="-122"/>
                 <a:cs typeface="宋体" panose="02010600030101010101" pitchFamily="2" charset="-122"/>
               </a:rPr>
-              <a:t>vue</a:t>
+              <a:t>nginx</a:t>
             </a:r>
             <a:endParaRPr lang="en-US" altLang="zh-CN" sz="1400" b="1">
               <a:solidFill>
@@ -9057,14 +9090,14 @@
       </p:sp>
       <p:sp>
         <p:nvSpPr>
-          <p:cNvPr id="72" name="矩形 71"/>
+          <p:cNvPr id="75" name="矩形 74"/>
           <p:cNvSpPr/>
           <p:nvPr/>
         </p:nvSpPr>
         <p:spPr>
           <a:xfrm>
-            <a:off x="9686290" y="3346450"/>
-            <a:ext cx="956945" cy="364490"/>
+            <a:off x="3538220" y="5405120"/>
+            <a:ext cx="1976755" cy="364490"/>
           </a:xfrm>
           <a:prstGeom prst="rect">
             <a:avLst/>
@@ -9106,7 +9139,7 @@
           <a:p>
             <a:pPr algn="ctr"/>
             <a:r>
-              <a:rPr lang="en-US" altLang="zh-CN" sz="1400" b="1">
+              <a:rPr lang="zh-CN" altLang="en-US" sz="1400" b="1">
                 <a:solidFill>
                   <a:srgbClr val="00B050"/>
                 </a:solidFill>
@@ -9114,9 +9147,9 @@
                 <a:ea typeface="宋体" panose="02010600030101010101" pitchFamily="2" charset="-122"/>
                 <a:cs typeface="宋体" panose="02010600030101010101" pitchFamily="2" charset="-122"/>
               </a:rPr>
-              <a:t>tomcat</a:t>
-            </a:r>
-            <a:endParaRPr lang="en-US" altLang="zh-CN" sz="1400" b="1">
+              <a:t>原创商城综合项目实战</a:t>
+            </a:r>
+            <a:endParaRPr lang="zh-CN" altLang="en-US" sz="1400" b="1">
               <a:solidFill>
                 <a:srgbClr val="00B050"/>
               </a:solidFill>
@@ -9127,15 +9160,53 @@
           </a:p>
         </p:txBody>
       </p:sp>
-      <p:sp>
-        <p:nvSpPr>
-          <p:cNvPr id="74" name="矩形 73"/>
+      <p:cxnSp>
+        <p:nvCxnSpPr>
+          <p:cNvPr id="76" name="直接连接符 75"/>
+          <p:cNvCxnSpPr/>
+          <p:nvPr/>
+        </p:nvCxnSpPr>
+        <p:spPr>
+          <a:xfrm>
+            <a:off x="314325" y="5908675"/>
+            <a:ext cx="11411585" cy="0"/>
+          </a:xfrm>
+          <a:prstGeom prst="line">
+            <a:avLst/>
+          </a:prstGeom>
+          <a:ln>
+            <a:solidFill>
+              <a:schemeClr val="bg2">
+                <a:lumMod val="65000"/>
+              </a:schemeClr>
+            </a:solidFill>
+            <a:prstDash val="sysDash"/>
+          </a:ln>
+        </p:spPr>
+        <p:style>
+          <a:lnRef idx="3">
+            <a:schemeClr val="accent3"/>
+          </a:lnRef>
+          <a:fillRef idx="0">
+            <a:schemeClr val="accent3"/>
+          </a:fillRef>
+          <a:effectRef idx="2">
+            <a:schemeClr val="accent3"/>
+          </a:effectRef>
+          <a:fontRef idx="minor">
+            <a:schemeClr val="tx1"/>
+          </a:fontRef>
+        </p:style>
+      </p:cxnSp>
+      <p:sp>
+        <p:nvSpPr>
+          <p:cNvPr id="79" name="矩形 78"/>
           <p:cNvSpPr/>
           <p:nvPr/>
         </p:nvSpPr>
         <p:spPr>
           <a:xfrm>
-            <a:off x="1988185" y="4648835"/>
+            <a:off x="1988185" y="6097270"/>
             <a:ext cx="956945" cy="364490"/>
           </a:xfrm>
           <a:prstGeom prst="rect">
@@ -9186,7 +9257,7 @@
                 <a:ea typeface="宋体" panose="02010600030101010101" pitchFamily="2" charset="-122"/>
                 <a:cs typeface="宋体" panose="02010600030101010101" pitchFamily="2" charset="-122"/>
               </a:rPr>
-              <a:t>nginx</a:t>
+              <a:t>redis</a:t>
             </a:r>
             <a:endParaRPr lang="en-US" altLang="zh-CN" sz="1400" b="1">
               <a:solidFill>
@@ -9201,14 +9272,14 @@
       </p:sp>
       <p:sp>
         <p:nvSpPr>
-          <p:cNvPr id="75" name="矩形 74"/>
+          <p:cNvPr id="80" name="矩形 79"/>
           <p:cNvSpPr/>
           <p:nvPr/>
         </p:nvSpPr>
         <p:spPr>
           <a:xfrm>
-            <a:off x="1988185" y="5306060"/>
-            <a:ext cx="1291590" cy="364490"/>
+            <a:off x="3279775" y="6101080"/>
+            <a:ext cx="956945" cy="364490"/>
           </a:xfrm>
           <a:prstGeom prst="rect">
             <a:avLst/>
@@ -9250,7 +9321,7 @@
           <a:p>
             <a:pPr algn="ctr"/>
             <a:r>
-              <a:rPr lang="zh-CN" altLang="en-US" sz="1400" b="1">
+              <a:rPr lang="en-US" altLang="zh-CN" sz="1400" b="1">
                 <a:solidFill>
                   <a:srgbClr val="00B050"/>
                 </a:solidFill>
@@ -9258,9 +9329,9 @@
                 <a:ea typeface="宋体" panose="02010600030101010101" pitchFamily="2" charset="-122"/>
                 <a:cs typeface="宋体" panose="02010600030101010101" pitchFamily="2" charset="-122"/>
               </a:rPr>
-              <a:t>商城项目实战</a:t>
-            </a:r>
-            <a:endParaRPr lang="zh-CN" altLang="en-US" sz="1400" b="1">
+              <a:t>quartz</a:t>
+            </a:r>
+            <a:endParaRPr lang="en-US" altLang="zh-CN" sz="1400" b="1">
               <a:solidFill>
                 <a:srgbClr val="00B050"/>
               </a:solidFill>
@@ -9271,48 +9342,15 @@
           </a:p>
         </p:txBody>
       </p:sp>
-      <p:cxnSp>
-        <p:nvCxnSpPr>
-          <p:cNvPr id="76" name="直接连接符 75"/>
-          <p:cNvCxnSpPr/>
+      <p:sp>
+        <p:nvSpPr>
+          <p:cNvPr id="81" name="矩形 80"/>
+          <p:cNvSpPr/>
           <p:nvPr/>
-        </p:nvCxnSpPr>
+        </p:nvSpPr>
         <p:spPr>
           <a:xfrm>
-            <a:off x="393700" y="5899150"/>
-            <a:ext cx="11411585" cy="0"/>
-          </a:xfrm>
-          <a:prstGeom prst="line">
-            <a:avLst/>
-          </a:prstGeom>
-          <a:ln w="19050">
-            <a:prstDash val="dash"/>
-          </a:ln>
-        </p:spPr>
-        <p:style>
-          <a:lnRef idx="1">
-            <a:schemeClr val="accent1"/>
-          </a:lnRef>
-          <a:fillRef idx="0">
-            <a:schemeClr val="accent1"/>
-          </a:fillRef>
-          <a:effectRef idx="0">
-            <a:schemeClr val="accent1"/>
-          </a:effectRef>
-          <a:fontRef idx="minor">
-            <a:schemeClr val="tx1"/>
-          </a:fontRef>
-        </p:style>
-      </p:cxnSp>
-      <p:sp>
-        <p:nvSpPr>
-          <p:cNvPr id="79" name="矩形 78"/>
-          <p:cNvSpPr/>
-          <p:nvPr/>
-        </p:nvSpPr>
-        <p:spPr>
-          <a:xfrm>
-            <a:off x="1988185" y="6097270"/>
+            <a:off x="4569460" y="6101080"/>
             <a:ext cx="956945" cy="364490"/>
           </a:xfrm>
           <a:prstGeom prst="rect">
@@ -9363,7 +9401,7 @@
                 <a:ea typeface="宋体" panose="02010600030101010101" pitchFamily="2" charset="-122"/>
                 <a:cs typeface="宋体" panose="02010600030101010101" pitchFamily="2" charset="-122"/>
               </a:rPr>
-              <a:t>redis</a:t>
+              <a:t>kafka</a:t>
             </a:r>
             <a:endParaRPr lang="en-US" altLang="zh-CN" sz="1400" b="1">
               <a:solidFill>
@@ -9378,14 +9416,14 @@
       </p:sp>
       <p:sp>
         <p:nvSpPr>
-          <p:cNvPr id="80" name="矩形 79"/>
+          <p:cNvPr id="82" name="矩形 81"/>
           <p:cNvSpPr/>
           <p:nvPr/>
         </p:nvSpPr>
         <p:spPr>
           <a:xfrm>
-            <a:off x="3279775" y="6101080"/>
-            <a:ext cx="956945" cy="364490"/>
+            <a:off x="5763260" y="6101080"/>
+            <a:ext cx="1365250" cy="364490"/>
           </a:xfrm>
           <a:prstGeom prst="rect">
             <a:avLst/>
@@ -9435,7 +9473,7 @@
                 <a:ea typeface="宋体" panose="02010600030101010101" pitchFamily="2" charset="-122"/>
                 <a:cs typeface="宋体" panose="02010600030101010101" pitchFamily="2" charset="-122"/>
               </a:rPr>
-              <a:t>quartz</a:t>
+              <a:t>elasticsearch</a:t>
             </a:r>
             <a:endParaRPr lang="en-US" altLang="zh-CN" sz="1400" b="1">
               <a:solidFill>
@@ -9450,13 +9488,13 @@
       </p:sp>
       <p:sp>
         <p:nvSpPr>
-          <p:cNvPr id="81" name="矩形 80"/>
+          <p:cNvPr id="84" name="矩形 83"/>
           <p:cNvSpPr/>
           <p:nvPr/>
         </p:nvSpPr>
         <p:spPr>
           <a:xfrm>
-            <a:off x="4569460" y="6101080"/>
+            <a:off x="7386955" y="6101080"/>
             <a:ext cx="956945" cy="364490"/>
           </a:xfrm>
           <a:prstGeom prst="rect">
@@ -9507,7 +9545,7 @@
                 <a:ea typeface="宋体" panose="02010600030101010101" pitchFamily="2" charset="-122"/>
                 <a:cs typeface="宋体" panose="02010600030101010101" pitchFamily="2" charset="-122"/>
               </a:rPr>
-              <a:t>kafka</a:t>
+              <a:t>docker</a:t>
             </a:r>
             <a:endParaRPr lang="en-US" altLang="zh-CN" sz="1400" b="1">
               <a:solidFill>
@@ -9522,14 +9560,14 @@
       </p:sp>
       <p:sp>
         <p:nvSpPr>
-          <p:cNvPr id="82" name="矩形 81"/>
+          <p:cNvPr id="85" name="矩形 84"/>
           <p:cNvSpPr/>
           <p:nvPr/>
         </p:nvSpPr>
         <p:spPr>
           <a:xfrm>
-            <a:off x="5763260" y="6101080"/>
-            <a:ext cx="1365250" cy="364490"/>
+            <a:off x="8595995" y="6101080"/>
+            <a:ext cx="1320800" cy="364490"/>
           </a:xfrm>
           <a:prstGeom prst="rect">
             <a:avLst/>
@@ -9571,7 +9609,7 @@
           <a:p>
             <a:pPr algn="ctr"/>
             <a:r>
-              <a:rPr lang="en-US" altLang="zh-CN" sz="1400" b="1">
+              <a:rPr lang="zh-CN" altLang="en-US" sz="1400" b="1">
                 <a:solidFill>
                   <a:srgbClr val="00B050"/>
                 </a:solidFill>
@@ -9579,9 +9617,9 @@
                 <a:ea typeface="宋体" panose="02010600030101010101" pitchFamily="2" charset="-122"/>
                 <a:cs typeface="宋体" panose="02010600030101010101" pitchFamily="2" charset="-122"/>
               </a:rPr>
-              <a:t>elasticsearch</a:t>
-            </a:r>
-            <a:endParaRPr lang="en-US" altLang="zh-CN" sz="1400" b="1">
+              <a:t>移动端开发</a:t>
+            </a:r>
+            <a:endParaRPr lang="zh-CN" altLang="en-US" sz="1400" b="1">
               <a:solidFill>
                 <a:srgbClr val="00B050"/>
               </a:solidFill>
@@ -9594,14 +9632,51 @@
       </p:sp>
       <p:sp>
         <p:nvSpPr>
-          <p:cNvPr id="84" name="矩形 83"/>
+          <p:cNvPr id="87" name="文本框 86"/>
+          <p:cNvSpPr txBox="1"/>
+          <p:nvPr/>
+        </p:nvSpPr>
+        <p:spPr>
+          <a:xfrm>
+            <a:off x="361315" y="6101080"/>
+            <a:ext cx="1135380" cy="368300"/>
+          </a:xfrm>
+          <a:prstGeom prst="rect">
+            <a:avLst/>
+          </a:prstGeom>
+          <a:noFill/>
+        </p:spPr>
+        <p:txBody>
+          <a:bodyPr wrap="square" rtlCol="0">
+            <a:spAutoFit/>
+          </a:bodyPr>
+          <a:p>
+            <a:r>
+              <a:rPr lang="zh-CN" altLang="en-US" b="1">
+                <a:solidFill>
+                  <a:srgbClr val="1D41D5"/>
+                </a:solidFill>
+              </a:rPr>
+              <a:t>能力拓展</a:t>
+            </a:r>
+            <a:endParaRPr lang="zh-CN" altLang="en-US" b="1">
+              <a:solidFill>
+                <a:srgbClr val="1D41D5"/>
+              </a:solidFill>
+            </a:endParaRPr>
+          </a:p>
+        </p:txBody>
+      </p:sp>
+      <p:sp>
+        <p:nvSpPr>
+          <p:cNvPr id="88" name="矩形 87"/>
           <p:cNvSpPr/>
           <p:nvPr/>
         </p:nvSpPr>
         <p:spPr>
           <a:xfrm>
-            <a:off x="7386955" y="6101080"/>
-            <a:ext cx="956945" cy="364490"/>
+            <a:off x="10141585" y="6101080"/>
+            <a:ext cx="1821180" cy="364490"/>
           </a:xfrm>
           <a:prstGeom prst="rect">
             <a:avLst/>
@@ -9643,7 +9718,7 @@
           <a:p>
             <a:pPr algn="ctr"/>
             <a:r>
-              <a:rPr lang="en-US" altLang="zh-CN" sz="1400" b="1">
+              <a:rPr lang="zh-CN" altLang="en-US" sz="1400" b="1">
                 <a:solidFill>
                   <a:srgbClr val="00B050"/>
                 </a:solidFill>
@@ -9651,7 +9726,40 @@
                 <a:ea typeface="宋体" panose="02010600030101010101" pitchFamily="2" charset="-122"/>
                 <a:cs typeface="宋体" panose="02010600030101010101" pitchFamily="2" charset="-122"/>
               </a:rPr>
-              <a:t>docker</a:t>
+              <a:t>持续更新（</a:t>
+            </a:r>
+            <a:r>
+              <a:rPr lang="en-US" altLang="zh-CN" sz="1400" b="1">
+                <a:solidFill>
+                  <a:srgbClr val="00B050"/>
+                </a:solidFill>
+                <a:latin typeface="宋体" panose="02010600030101010101" pitchFamily="2" charset="-122"/>
+                <a:ea typeface="宋体" panose="02010600030101010101" pitchFamily="2" charset="-122"/>
+                <a:cs typeface="宋体" panose="02010600030101010101" pitchFamily="2" charset="-122"/>
+              </a:rPr>
+              <a:t>APP</a:t>
+            </a:r>
+            <a:r>
+              <a:rPr lang="zh-CN" altLang="en-US" sz="1400" b="1">
+                <a:solidFill>
+                  <a:srgbClr val="00B050"/>
+                </a:solidFill>
+                <a:latin typeface="宋体" panose="02010600030101010101" pitchFamily="2" charset="-122"/>
+                <a:ea typeface="宋体" panose="02010600030101010101" pitchFamily="2" charset="-122"/>
+                <a:cs typeface="宋体" panose="02010600030101010101" pitchFamily="2" charset="-122"/>
+              </a:rPr>
+              <a:t>）</a:t>
+            </a:r>
+            <a:r>
+              <a:rPr lang="en-US" altLang="zh-CN" sz="1400" b="1">
+                <a:solidFill>
+                  <a:srgbClr val="00B050"/>
+                </a:solidFill>
+                <a:latin typeface="宋体" panose="02010600030101010101" pitchFamily="2" charset="-122"/>
+                <a:ea typeface="宋体" panose="02010600030101010101" pitchFamily="2" charset="-122"/>
+                <a:cs typeface="宋体" panose="02010600030101010101" pitchFamily="2" charset="-122"/>
+              </a:rPr>
+              <a:t>...</a:t>
             </a:r>
             <a:endParaRPr lang="en-US" altLang="zh-CN" sz="1400" b="1">
               <a:solidFill>
@@ -9666,14 +9774,14 @@
       </p:sp>
       <p:sp>
         <p:nvSpPr>
-          <p:cNvPr id="85" name="矩形 84"/>
+          <p:cNvPr id="7" name="矩形 6"/>
           <p:cNvSpPr/>
           <p:nvPr/>
         </p:nvSpPr>
         <p:spPr>
           <a:xfrm>
-            <a:off x="8595995" y="6101080"/>
-            <a:ext cx="1320800" cy="364490"/>
+            <a:off x="1988185" y="5405120"/>
+            <a:ext cx="1125855" cy="364490"/>
           </a:xfrm>
           <a:prstGeom prst="rect">
             <a:avLst/>
@@ -9715,7 +9823,7 @@
           <a:p>
             <a:pPr algn="ctr"/>
             <a:r>
-              <a:rPr lang="zh-CN" altLang="en-US" sz="1400" b="1">
+              <a:rPr lang="en-US" altLang="zh-CN" sz="1400" b="1">
                 <a:solidFill>
                   <a:srgbClr val="00B050"/>
                 </a:solidFill>
@@ -9723,9 +9831,9 @@
                 <a:ea typeface="宋体" panose="02010600030101010101" pitchFamily="2" charset="-122"/>
                 <a:cs typeface="宋体" panose="02010600030101010101" pitchFamily="2" charset="-122"/>
               </a:rPr>
-              <a:t>移动端开发</a:t>
-            </a:r>
-            <a:endParaRPr lang="zh-CN" altLang="en-US" sz="1400" b="1">
+              <a:t>Linux运维</a:t>
+            </a:r>
+            <a:endParaRPr lang="en-US" altLang="zh-CN" sz="1400" b="1">
               <a:solidFill>
                 <a:srgbClr val="00B050"/>
               </a:solidFill>
@@ -9738,51 +9846,14 @@
       </p:sp>
       <p:sp>
         <p:nvSpPr>
-          <p:cNvPr id="87" name="文本框 86"/>
-          <p:cNvSpPr txBox="1"/>
+          <p:cNvPr id="9" name="矩形 8"/>
+          <p:cNvSpPr/>
           <p:nvPr/>
         </p:nvSpPr>
         <p:spPr>
           <a:xfrm>
-            <a:off x="503555" y="6097270"/>
-            <a:ext cx="746760" cy="368300"/>
-          </a:xfrm>
-          <a:prstGeom prst="rect">
-            <a:avLst/>
-          </a:prstGeom>
-          <a:noFill/>
-        </p:spPr>
-        <p:txBody>
-          <a:bodyPr wrap="square" rtlCol="0">
-            <a:spAutoFit/>
-          </a:bodyPr>
-          <a:p>
-            <a:r>
-              <a:rPr lang="zh-CN" altLang="en-US" b="1">
-                <a:solidFill>
-                  <a:srgbClr val="FF0000"/>
-                </a:solidFill>
-              </a:rPr>
-              <a:t>福利</a:t>
-            </a:r>
-            <a:endParaRPr lang="zh-CN" altLang="en-US" b="1">
-              <a:solidFill>
-                <a:srgbClr val="FF0000"/>
-              </a:solidFill>
-            </a:endParaRPr>
-          </a:p>
-        </p:txBody>
-      </p:sp>
-      <p:sp>
-        <p:nvSpPr>
-          <p:cNvPr id="88" name="矩形 87"/>
-          <p:cNvSpPr/>
-          <p:nvPr/>
-        </p:nvSpPr>
-        <p:spPr>
-          <a:xfrm>
-            <a:off x="10141585" y="6101080"/>
-            <a:ext cx="1821180" cy="364490"/>
+            <a:off x="5849620" y="1879600"/>
+            <a:ext cx="956945" cy="364490"/>
           </a:xfrm>
           <a:prstGeom prst="rect">
             <a:avLst/>
@@ -9832,42 +9903,9 @@
                 <a:ea typeface="宋体" panose="02010600030101010101" pitchFamily="2" charset="-122"/>
                 <a:cs typeface="宋体" panose="02010600030101010101" pitchFamily="2" charset="-122"/>
               </a:rPr>
-              <a:t>持续更新（</a:t>
-            </a:r>
-            <a:r>
-              <a:rPr lang="en-US" altLang="zh-CN" sz="1400" b="1">
-                <a:solidFill>
-                  <a:srgbClr val="00B050"/>
-                </a:solidFill>
-                <a:latin typeface="宋体" panose="02010600030101010101" pitchFamily="2" charset="-122"/>
-                <a:ea typeface="宋体" panose="02010600030101010101" pitchFamily="2" charset="-122"/>
-                <a:cs typeface="宋体" panose="02010600030101010101" pitchFamily="2" charset="-122"/>
-              </a:rPr>
-              <a:t>APP</a:t>
-            </a:r>
-            <a:r>
-              <a:rPr lang="zh-CN" altLang="en-US" sz="1400" b="1">
-                <a:solidFill>
-                  <a:srgbClr val="00B050"/>
-                </a:solidFill>
-                <a:latin typeface="宋体" panose="02010600030101010101" pitchFamily="2" charset="-122"/>
-                <a:ea typeface="宋体" panose="02010600030101010101" pitchFamily="2" charset="-122"/>
-                <a:cs typeface="宋体" panose="02010600030101010101" pitchFamily="2" charset="-122"/>
-              </a:rPr>
-              <a:t>）</a:t>
-            </a:r>
-            <a:r>
-              <a:rPr lang="en-US" altLang="zh-CN" sz="1400" b="1">
-                <a:solidFill>
-                  <a:srgbClr val="00B050"/>
-                </a:solidFill>
-                <a:latin typeface="宋体" panose="02010600030101010101" pitchFamily="2" charset="-122"/>
-                <a:ea typeface="宋体" panose="02010600030101010101" pitchFamily="2" charset="-122"/>
-                <a:cs typeface="宋体" panose="02010600030101010101" pitchFamily="2" charset="-122"/>
-              </a:rPr>
-              <a:t>...</a:t>
-            </a:r>
-            <a:endParaRPr lang="en-US" altLang="zh-CN" sz="1400" b="1">
+              <a:t>设计模式</a:t>
+            </a:r>
+            <a:endParaRPr lang="zh-CN" altLang="en-US" sz="1400" b="1">
               <a:solidFill>
                 <a:srgbClr val="00B050"/>
               </a:solidFill>
@@ -9880,14 +9918,14 @@
       </p:sp>
       <p:sp>
         <p:nvSpPr>
-          <p:cNvPr id="7" name="矩形 6"/>
+          <p:cNvPr id="12" name="矩形 11"/>
           <p:cNvSpPr/>
           <p:nvPr/>
         </p:nvSpPr>
         <p:spPr>
           <a:xfrm>
-            <a:off x="3443605" y="5306060"/>
-            <a:ext cx="1125855" cy="364490"/>
+            <a:off x="5835015" y="1291590"/>
+            <a:ext cx="956945" cy="364490"/>
           </a:xfrm>
           <a:prstGeom prst="rect">
             <a:avLst/>
@@ -9929,7 +9967,7 @@
           <a:p>
             <a:pPr algn="ctr"/>
             <a:r>
-              <a:rPr lang="en-US" altLang="zh-CN" sz="1400" b="1">
+              <a:rPr lang="zh-CN" altLang="en-US" sz="1400" b="1">
                 <a:solidFill>
                   <a:srgbClr val="00B050"/>
                 </a:solidFill>
@@ -9937,79 +9975,7 @@
                 <a:ea typeface="宋体" panose="02010600030101010101" pitchFamily="2" charset="-122"/>
                 <a:cs typeface="宋体" panose="02010600030101010101" pitchFamily="2" charset="-122"/>
               </a:rPr>
-              <a:t>Linux运维</a:t>
-            </a:r>
-            <a:endParaRPr lang="en-US" altLang="zh-CN" sz="1400" b="1">
-              <a:solidFill>
-                <a:srgbClr val="00B050"/>
-              </a:solidFill>
-              <a:latin typeface="宋体" panose="02010600030101010101" pitchFamily="2" charset="-122"/>
-              <a:ea typeface="宋体" panose="02010600030101010101" pitchFamily="2" charset="-122"/>
-              <a:cs typeface="宋体" panose="02010600030101010101" pitchFamily="2" charset="-122"/>
-            </a:endParaRPr>
-          </a:p>
-        </p:txBody>
-      </p:sp>
-      <p:sp>
-        <p:nvSpPr>
-          <p:cNvPr id="9" name="矩形 8"/>
-          <p:cNvSpPr/>
-          <p:nvPr/>
-        </p:nvSpPr>
-        <p:spPr>
-          <a:xfrm>
-            <a:off x="5861050" y="2018665"/>
-            <a:ext cx="956945" cy="364490"/>
-          </a:xfrm>
-          <a:prstGeom prst="rect">
-            <a:avLst/>
-          </a:prstGeom>
-          <a:noFill/>
-          <a:ln w="28575">
-            <a:solidFill>
-              <a:srgbClr val="55D9FF"/>
-            </a:solidFill>
-          </a:ln>
-          <a:extLst>
-            <a:ext uri="{909E8E84-426E-40DD-AFC4-6F175D3DCCD1}">
-              <a14:hiddenFill xmlns:a14="http://schemas.microsoft.com/office/drawing/2010/main">
-                <a:solidFill>
-                  <a:schemeClr val="accent1"/>
-                </a:solidFill>
-              </a14:hiddenFill>
-            </a:ext>
-          </a:extLst>
-        </p:spPr>
-        <p:style>
-          <a:lnRef idx="2">
-            <a:schemeClr val="accent1">
-              <a:shade val="50000"/>
-            </a:schemeClr>
-          </a:lnRef>
-          <a:fillRef idx="1">
-            <a:schemeClr val="accent1"/>
-          </a:fillRef>
-          <a:effectRef idx="0">
-            <a:schemeClr val="accent1"/>
-          </a:effectRef>
-          <a:fontRef idx="minor">
-            <a:schemeClr val="lt1"/>
-          </a:fontRef>
-        </p:style>
-        <p:txBody>
-          <a:bodyPr rtlCol="0" anchor="ctr"/>
-          <a:p>
-            <a:pPr algn="ctr"/>
-            <a:r>
-              <a:rPr lang="zh-CN" altLang="en-US" sz="1400" b="1">
-                <a:solidFill>
-                  <a:srgbClr val="00B050"/>
-                </a:solidFill>
-                <a:latin typeface="宋体" panose="02010600030101010101" pitchFamily="2" charset="-122"/>
-                <a:ea typeface="宋体" panose="02010600030101010101" pitchFamily="2" charset="-122"/>
-                <a:cs typeface="宋体" panose="02010600030101010101" pitchFamily="2" charset="-122"/>
-              </a:rPr>
-              <a:t>设计模式</a:t>
+              <a:t>定时任务</a:t>
             </a:r>
             <a:endParaRPr lang="zh-CN" altLang="en-US" sz="1400" b="1">
               <a:solidFill>
@@ -10022,78 +9988,193 @@
           </a:p>
         </p:txBody>
       </p:sp>
-      <p:sp>
-        <p:nvSpPr>
-          <p:cNvPr id="12" name="矩形 11"/>
-          <p:cNvSpPr/>
+      <p:cxnSp>
+        <p:nvCxnSpPr>
+          <p:cNvPr id="13" name="直接连接符 12"/>
+          <p:cNvCxnSpPr/>
           <p:nvPr/>
-        </p:nvSpPr>
+        </p:nvCxnSpPr>
         <p:spPr>
           <a:xfrm>
-            <a:off x="5846445" y="1369695"/>
-            <a:ext cx="956945" cy="364490"/>
+            <a:off x="314325" y="4658360"/>
+            <a:ext cx="11411585" cy="0"/>
+          </a:xfrm>
+          <a:prstGeom prst="line">
+            <a:avLst/>
+          </a:prstGeom>
+          <a:ln>
+            <a:solidFill>
+              <a:schemeClr val="bg2">
+                <a:lumMod val="65000"/>
+              </a:schemeClr>
+            </a:solidFill>
+            <a:prstDash val="sysDash"/>
+          </a:ln>
+        </p:spPr>
+        <p:style>
+          <a:lnRef idx="3">
+            <a:schemeClr val="accent3"/>
+          </a:lnRef>
+          <a:fillRef idx="0">
+            <a:schemeClr val="accent3"/>
+          </a:fillRef>
+          <a:effectRef idx="2">
+            <a:schemeClr val="accent3"/>
+          </a:effectRef>
+          <a:fontRef idx="minor">
+            <a:schemeClr val="tx1"/>
+          </a:fontRef>
+        </p:style>
+      </p:cxnSp>
+      <p:sp>
+        <p:nvSpPr>
+          <p:cNvPr id="14" name="文本框 13"/>
+          <p:cNvSpPr txBox="1"/>
+          <p:nvPr/>
+        </p:nvSpPr>
+        <p:spPr>
+          <a:xfrm>
+            <a:off x="303530" y="2731770"/>
+            <a:ext cx="1124585" cy="368300"/>
           </a:xfrm>
           <a:prstGeom prst="rect">
             <a:avLst/>
           </a:prstGeom>
           <a:noFill/>
-          <a:ln w="28575">
+        </p:spPr>
+        <p:txBody>
+          <a:bodyPr wrap="square" rtlCol="0">
+            <a:spAutoFit/>
+          </a:bodyPr>
+          <a:p>
+            <a:r>
+              <a:rPr lang="zh-CN" altLang="en-US" b="1">
+                <a:solidFill>
+                  <a:srgbClr val="1D41D5"/>
+                </a:solidFill>
+              </a:rPr>
+              <a:t>前端页面</a:t>
+            </a:r>
+            <a:endParaRPr lang="zh-CN" altLang="en-US" b="1">
+              <a:solidFill>
+                <a:srgbClr val="1D41D5"/>
+              </a:solidFill>
+            </a:endParaRPr>
+          </a:p>
+        </p:txBody>
+      </p:sp>
+      <p:sp>
+        <p:nvSpPr>
+          <p:cNvPr id="15" name="文本框 14"/>
+          <p:cNvSpPr txBox="1"/>
+          <p:nvPr/>
+        </p:nvSpPr>
+        <p:spPr>
+          <a:xfrm>
+            <a:off x="314325" y="3773805"/>
+            <a:ext cx="1124585" cy="368300"/>
+          </a:xfrm>
+          <a:prstGeom prst="rect">
+            <a:avLst/>
+          </a:prstGeom>
+          <a:noFill/>
+        </p:spPr>
+        <p:txBody>
+          <a:bodyPr wrap="square" rtlCol="0">
+            <a:spAutoFit/>
+          </a:bodyPr>
+          <a:p>
+            <a:r>
+              <a:rPr lang="zh-CN" altLang="en-US" b="1">
+                <a:solidFill>
+                  <a:srgbClr val="1D41D5"/>
+                </a:solidFill>
+              </a:rPr>
+              <a:t>后端框架</a:t>
+            </a:r>
+            <a:endParaRPr lang="zh-CN" altLang="en-US" b="1">
+              <a:solidFill>
+                <a:srgbClr val="1D41D5"/>
+              </a:solidFill>
+            </a:endParaRPr>
+          </a:p>
+        </p:txBody>
+      </p:sp>
+      <p:sp>
+        <p:nvSpPr>
+          <p:cNvPr id="16" name="文本框 15"/>
+          <p:cNvSpPr txBox="1"/>
+          <p:nvPr/>
+        </p:nvSpPr>
+        <p:spPr>
+          <a:xfrm>
+            <a:off x="303530" y="5107305"/>
+            <a:ext cx="1124585" cy="368300"/>
+          </a:xfrm>
+          <a:prstGeom prst="rect">
+            <a:avLst/>
+          </a:prstGeom>
+          <a:noFill/>
+        </p:spPr>
+        <p:txBody>
+          <a:bodyPr wrap="square" rtlCol="0">
+            <a:spAutoFit/>
+          </a:bodyPr>
+          <a:p>
+            <a:r>
+              <a:rPr lang="zh-CN" altLang="en-US" b="1">
+                <a:solidFill>
+                  <a:srgbClr val="1D41D5"/>
+                </a:solidFill>
+              </a:rPr>
+              <a:t>企业实战</a:t>
+            </a:r>
+            <a:endParaRPr lang="zh-CN" altLang="en-US" b="1">
+              <a:solidFill>
+                <a:srgbClr val="1D41D5"/>
+              </a:solidFill>
+            </a:endParaRPr>
+          </a:p>
+        </p:txBody>
+      </p:sp>
+      <p:cxnSp>
+        <p:nvCxnSpPr>
+          <p:cNvPr id="17" name="直接连接符 16"/>
+          <p:cNvCxnSpPr/>
+          <p:nvPr/>
+        </p:nvCxnSpPr>
+        <p:spPr>
+          <a:xfrm>
+            <a:off x="314325" y="6702425"/>
+            <a:ext cx="11411585" cy="0"/>
+          </a:xfrm>
+          <a:prstGeom prst="line">
+            <a:avLst/>
+          </a:prstGeom>
+          <a:ln>
             <a:solidFill>
-              <a:srgbClr val="55D9FF"/>
+              <a:schemeClr val="bg2">
+                <a:lumMod val="65000"/>
+              </a:schemeClr>
             </a:solidFill>
+            <a:prstDash val="sysDash"/>
           </a:ln>
-          <a:extLst>
-            <a:ext uri="{909E8E84-426E-40DD-AFC4-6F175D3DCCD1}">
-              <a14:hiddenFill xmlns:a14="http://schemas.microsoft.com/office/drawing/2010/main">
-                <a:solidFill>
-                  <a:schemeClr val="accent1"/>
-                </a:solidFill>
-              </a14:hiddenFill>
-            </a:ext>
-          </a:extLst>
         </p:spPr>
         <p:style>
-          <a:lnRef idx="2">
-            <a:schemeClr val="accent1">
-              <a:shade val="50000"/>
-            </a:schemeClr>
+          <a:lnRef idx="3">
+            <a:schemeClr val="accent3"/>
           </a:lnRef>
-          <a:fillRef idx="1">
-            <a:schemeClr val="accent1"/>
+          <a:fillRef idx="0">
+            <a:schemeClr val="accent3"/>
           </a:fillRef>
-          <a:effectRef idx="0">
-            <a:schemeClr val="accent1"/>
+          <a:effectRef idx="2">
+            <a:schemeClr val="accent3"/>
           </a:effectRef>
           <a:fontRef idx="minor">
-            <a:schemeClr val="lt1"/>
+            <a:schemeClr val="tx1"/>
           </a:fontRef>
         </p:style>
-        <p:txBody>
-          <a:bodyPr rtlCol="0" anchor="ctr"/>
-          <a:p>
-            <a:pPr algn="ctr"/>
-            <a:r>
-              <a:rPr lang="zh-CN" altLang="en-US" sz="1400" b="1">
-                <a:solidFill>
-                  <a:srgbClr val="00B050"/>
-                </a:solidFill>
-                <a:latin typeface="宋体" panose="02010600030101010101" pitchFamily="2" charset="-122"/>
-                <a:ea typeface="宋体" panose="02010600030101010101" pitchFamily="2" charset="-122"/>
-                <a:cs typeface="宋体" panose="02010600030101010101" pitchFamily="2" charset="-122"/>
-              </a:rPr>
-              <a:t>定时任务</a:t>
-            </a:r>
-            <a:endParaRPr lang="zh-CN" altLang="en-US" sz="1400" b="1">
-              <a:solidFill>
-                <a:srgbClr val="00B050"/>
-              </a:solidFill>
-              <a:latin typeface="宋体" panose="02010600030101010101" pitchFamily="2" charset="-122"/>
-              <a:ea typeface="宋体" panose="02010600030101010101" pitchFamily="2" charset="-122"/>
-              <a:cs typeface="宋体" panose="02010600030101010101" pitchFamily="2" charset="-122"/>
-            </a:endParaRPr>
-          </a:p>
-        </p:txBody>
-      </p:sp>
+      </p:cxnSp>
     </p:spTree>
     <p:custDataLst>
       <p:tags r:id="rId2"/>
